--- a/教材/10章_監視運用サービス.pptx
+++ b/教材/10章_監視運用サービス.pptx
@@ -178,7 +178,7 @@
 <file path=ppt/revisionInfo.xml><?xml version="1.0" encoding="utf-8"?>
 <p1510:revInfo xmlns:a="http://schemas.openxmlformats.org/drawingml/2006/main" xmlns:r="http://schemas.openxmlformats.org/officeDocument/2006/relationships" xmlns:p1510="http://schemas.microsoft.com/office/powerpoint/2015/10/main">
   <p1510:revLst>
-    <p1510:client id="{0AD138A4-6C53-4681-96F3-484A28ABEF1D}" v="44" dt="2023-01-15T10:20:51.761"/>
+    <p1510:client id="{94505F9F-5972-41FA-B464-4FEEB7194449}" v="4" dt="2023-02-08T12:43:54.614"/>
   </p1510:revLst>
 </p1510:revInfo>
 </file>
@@ -5443,6 +5443,102 @@
     </pc:docChg>
   </pc:docChgLst>
   <pc:docChgLst>
+    <pc:chgData name="尾嵜 成真" userId="dd95f81a979e9056" providerId="LiveId" clId="{94505F9F-5972-41FA-B464-4FEEB7194449}"/>
+    <pc:docChg chg="custSel modSld">
+      <pc:chgData name="尾嵜 成真" userId="dd95f81a979e9056" providerId="LiveId" clId="{94505F9F-5972-41FA-B464-4FEEB7194449}" dt="2023-02-08T12:44:02.442" v="51" actId="20577"/>
+      <pc:docMkLst>
+        <pc:docMk/>
+      </pc:docMkLst>
+      <pc:sldChg chg="delSp modSp mod">
+        <pc:chgData name="尾嵜 成真" userId="dd95f81a979e9056" providerId="LiveId" clId="{94505F9F-5972-41FA-B464-4FEEB7194449}" dt="2023-02-08T12:44:02.442" v="51" actId="20577"/>
+        <pc:sldMkLst>
+          <pc:docMk/>
+          <pc:sldMk cId="0" sldId="259"/>
+        </pc:sldMkLst>
+        <pc:spChg chg="mod">
+          <ac:chgData name="尾嵜 成真" userId="dd95f81a979e9056" providerId="LiveId" clId="{94505F9F-5972-41FA-B464-4FEEB7194449}" dt="2023-02-08T12:43:43.440" v="20"/>
+          <ac:spMkLst>
+            <pc:docMk/>
+            <pc:sldMk cId="0" sldId="259"/>
+            <ac:spMk id="6" creationId="{5E8DF250-E2E1-463A-1CFB-606AA0029019}"/>
+          </ac:spMkLst>
+        </pc:spChg>
+        <pc:spChg chg="mod">
+          <ac:chgData name="尾嵜 成真" userId="dd95f81a979e9056" providerId="LiveId" clId="{94505F9F-5972-41FA-B464-4FEEB7194449}" dt="2023-02-08T12:43:03.938" v="1" actId="6549"/>
+          <ac:spMkLst>
+            <pc:docMk/>
+            <pc:sldMk cId="0" sldId="259"/>
+            <ac:spMk id="17" creationId="{ADA89448-5159-F66C-80CE-8F46B466264C}"/>
+          </ac:spMkLst>
+        </pc:spChg>
+        <pc:spChg chg="mod">
+          <ac:chgData name="尾嵜 成真" userId="dd95f81a979e9056" providerId="LiveId" clId="{94505F9F-5972-41FA-B464-4FEEB7194449}" dt="2023-02-08T12:43:54.614" v="34"/>
+          <ac:spMkLst>
+            <pc:docMk/>
+            <pc:sldMk cId="0" sldId="259"/>
+            <ac:spMk id="19" creationId="{C6CA1394-23CE-E914-905A-097451AC4BCF}"/>
+          </ac:spMkLst>
+        </pc:spChg>
+        <pc:spChg chg="mod">
+          <ac:chgData name="尾嵜 成真" userId="dd95f81a979e9056" providerId="LiveId" clId="{94505F9F-5972-41FA-B464-4FEEB7194449}" dt="2023-02-08T12:44:02.442" v="51" actId="20577"/>
+          <ac:spMkLst>
+            <pc:docMk/>
+            <pc:sldMk cId="0" sldId="259"/>
+            <ac:spMk id="22" creationId="{6286828B-49EF-1DB2-95F8-A3227739ECEA}"/>
+          </ac:spMkLst>
+        </pc:spChg>
+        <pc:spChg chg="del">
+          <ac:chgData name="尾嵜 成真" userId="dd95f81a979e9056" providerId="LiveId" clId="{94505F9F-5972-41FA-B464-4FEEB7194449}" dt="2023-02-08T12:43:03.032" v="0" actId="478"/>
+          <ac:spMkLst>
+            <pc:docMk/>
+            <pc:sldMk cId="0" sldId="259"/>
+            <ac:spMk id="23" creationId="{2E9F8BEE-54A9-4485-30DE-5BD610AD9383}"/>
+          </ac:spMkLst>
+        </pc:spChg>
+        <pc:spChg chg="mod">
+          <ac:chgData name="尾嵜 成真" userId="dd95f81a979e9056" providerId="LiveId" clId="{94505F9F-5972-41FA-B464-4FEEB7194449}" dt="2023-02-08T12:43:18.517" v="4" actId="1076"/>
+          <ac:spMkLst>
+            <pc:docMk/>
+            <pc:sldMk cId="0" sldId="259"/>
+            <ac:spMk id="27" creationId="{00000000-0000-0000-0000-000000000000}"/>
+          </ac:spMkLst>
+        </pc:spChg>
+        <pc:grpChg chg="mod">
+          <ac:chgData name="尾嵜 成真" userId="dd95f81a979e9056" providerId="LiveId" clId="{94505F9F-5972-41FA-B464-4FEEB7194449}" dt="2023-02-08T12:43:15.031" v="3" actId="1076"/>
+          <ac:grpSpMkLst>
+            <pc:docMk/>
+            <pc:sldMk cId="0" sldId="259"/>
+            <ac:grpSpMk id="4" creationId="{D878DFA1-E3C6-85BD-E041-0F46C006721D}"/>
+          </ac:grpSpMkLst>
+        </pc:grpChg>
+        <pc:grpChg chg="mod">
+          <ac:chgData name="尾嵜 成真" userId="dd95f81a979e9056" providerId="LiveId" clId="{94505F9F-5972-41FA-B464-4FEEB7194449}" dt="2023-02-08T12:43:25.517" v="5" actId="1076"/>
+          <ac:grpSpMkLst>
+            <pc:docMk/>
+            <pc:sldMk cId="0" sldId="259"/>
+            <ac:grpSpMk id="9" creationId="{EF7ADAA6-09FB-2358-E4FC-1C2B2AF8D65E}"/>
+          </ac:grpSpMkLst>
+        </pc:grpChg>
+        <pc:grpChg chg="mod">
+          <ac:chgData name="尾嵜 成真" userId="dd95f81a979e9056" providerId="LiveId" clId="{94505F9F-5972-41FA-B464-4FEEB7194449}" dt="2023-02-08T12:43:33.064" v="6" actId="1076"/>
+          <ac:grpSpMkLst>
+            <pc:docMk/>
+            <pc:sldMk cId="0" sldId="259"/>
+            <ac:grpSpMk id="12" creationId="{7932C5DD-8842-00F0-E891-D564ACEDE896}"/>
+          </ac:grpSpMkLst>
+        </pc:grpChg>
+        <pc:grpChg chg="del">
+          <ac:chgData name="尾嵜 成真" userId="dd95f81a979e9056" providerId="LiveId" clId="{94505F9F-5972-41FA-B464-4FEEB7194449}" dt="2023-02-08T12:43:08.001" v="2" actId="478"/>
+          <ac:grpSpMkLst>
+            <pc:docMk/>
+            <pc:sldMk cId="0" sldId="259"/>
+            <ac:grpSpMk id="15" creationId="{ABF64C8C-9B4C-9D21-9AF5-4477981CD304}"/>
+          </ac:grpSpMkLst>
+        </pc:grpChg>
+      </pc:sldChg>
+    </pc:docChg>
+  </pc:docChgLst>
+  <pc:docChgLst>
     <pc:chgData name="尾嵜 成真" userId="dd95f81a979e9056" providerId="LiveId" clId="{40B48392-F97D-41B7-BE8A-0DF3981E1B94}"/>
     <pc:docChg chg="undo custSel addSld delSld modSld">
       <pc:chgData name="尾嵜 成真" userId="dd95f81a979e9056" providerId="LiveId" clId="{40B48392-F97D-41B7-BE8A-0DF3981E1B94}" dt="2022-12-03T13:08:51.254" v="150" actId="1076"/>
@@ -7091,6 +7187,1089 @@
     </pc:docChg>
   </pc:docChgLst>
   <pc:docChgLst>
+    <pc:chgData name="尾嵜 成真" userId="dd95f81a979e9056" providerId="LiveId" clId="{261289AE-FA7C-4CE5-8626-F461A71A7004}"/>
+    <pc:docChg chg="undo custSel addSld delSld modSld sldOrd">
+      <pc:chgData name="尾嵜 成真" userId="dd95f81a979e9056" providerId="LiveId" clId="{261289AE-FA7C-4CE5-8626-F461A71A7004}" dt="2023-01-15T06:29:45.574" v="3435" actId="47"/>
+      <pc:docMkLst>
+        <pc:docMk/>
+      </pc:docMkLst>
+      <pc:sldChg chg="modSp mod">
+        <pc:chgData name="尾嵜 成真" userId="dd95f81a979e9056" providerId="LiveId" clId="{261289AE-FA7C-4CE5-8626-F461A71A7004}" dt="2023-01-15T06:28:36.400" v="3390"/>
+        <pc:sldMkLst>
+          <pc:docMk/>
+          <pc:sldMk cId="0" sldId="259"/>
+        </pc:sldMkLst>
+        <pc:spChg chg="mod">
+          <ac:chgData name="尾嵜 成真" userId="dd95f81a979e9056" providerId="LiveId" clId="{261289AE-FA7C-4CE5-8626-F461A71A7004}" dt="2023-01-15T06:28:07.277" v="3352"/>
+          <ac:spMkLst>
+            <pc:docMk/>
+            <pc:sldMk cId="0" sldId="259"/>
+            <ac:spMk id="19" creationId="{C6CA1394-23CE-E914-905A-097451AC4BCF}"/>
+          </ac:spMkLst>
+        </pc:spChg>
+        <pc:spChg chg="mod">
+          <ac:chgData name="尾嵜 成真" userId="dd95f81a979e9056" providerId="LiveId" clId="{261289AE-FA7C-4CE5-8626-F461A71A7004}" dt="2023-01-15T06:28:19.901" v="3379" actId="20577"/>
+          <ac:spMkLst>
+            <pc:docMk/>
+            <pc:sldMk cId="0" sldId="259"/>
+            <ac:spMk id="22" creationId="{6286828B-49EF-1DB2-95F8-A3227739ECEA}"/>
+          </ac:spMkLst>
+        </pc:spChg>
+        <pc:spChg chg="mod">
+          <ac:chgData name="尾嵜 成真" userId="dd95f81a979e9056" providerId="LiveId" clId="{261289AE-FA7C-4CE5-8626-F461A71A7004}" dt="2023-01-15T06:28:36.400" v="3390"/>
+          <ac:spMkLst>
+            <pc:docMk/>
+            <pc:sldMk cId="0" sldId="259"/>
+            <ac:spMk id="23" creationId="{2E9F8BEE-54A9-4485-30DE-5BD610AD9383}"/>
+          </ac:spMkLst>
+        </pc:spChg>
+      </pc:sldChg>
+      <pc:sldChg chg="modSp mod">
+        <pc:chgData name="尾嵜 成真" userId="dd95f81a979e9056" providerId="LiveId" clId="{261289AE-FA7C-4CE5-8626-F461A71A7004}" dt="2023-01-12T08:26:25.458" v="47" actId="1076"/>
+        <pc:sldMkLst>
+          <pc:docMk/>
+          <pc:sldMk cId="0" sldId="293"/>
+        </pc:sldMkLst>
+        <pc:spChg chg="mod">
+          <ac:chgData name="尾嵜 成真" userId="dd95f81a979e9056" providerId="LiveId" clId="{261289AE-FA7C-4CE5-8626-F461A71A7004}" dt="2023-01-12T08:26:25.458" v="47" actId="1076"/>
+          <ac:spMkLst>
+            <pc:docMk/>
+            <pc:sldMk cId="0" sldId="293"/>
+            <ac:spMk id="7" creationId="{00000000-0000-0000-0000-000000000000}"/>
+          </ac:spMkLst>
+        </pc:spChg>
+      </pc:sldChg>
+      <pc:sldChg chg="add del">
+        <pc:chgData name="尾嵜 成真" userId="dd95f81a979e9056" providerId="LiveId" clId="{261289AE-FA7C-4CE5-8626-F461A71A7004}" dt="2023-01-13T16:03:01.700" v="3346" actId="47"/>
+        <pc:sldMkLst>
+          <pc:docMk/>
+          <pc:sldMk cId="0" sldId="297"/>
+        </pc:sldMkLst>
+      </pc:sldChg>
+      <pc:sldChg chg="addSp delSp modSp mod">
+        <pc:chgData name="尾嵜 成真" userId="dd95f81a979e9056" providerId="LiveId" clId="{261289AE-FA7C-4CE5-8626-F461A71A7004}" dt="2023-01-15T06:28:55.925" v="3394" actId="20577"/>
+        <pc:sldMkLst>
+          <pc:docMk/>
+          <pc:sldMk cId="4190097553" sldId="303"/>
+        </pc:sldMkLst>
+        <pc:spChg chg="add del mod">
+          <ac:chgData name="尾嵜 成真" userId="dd95f81a979e9056" providerId="LiveId" clId="{261289AE-FA7C-4CE5-8626-F461A71A7004}" dt="2023-01-12T09:03:49.194" v="354" actId="21"/>
+          <ac:spMkLst>
+            <pc:docMk/>
+            <pc:sldMk cId="4190097553" sldId="303"/>
+            <ac:spMk id="4" creationId="{B5F2B6C3-7C56-ED3E-0A55-124518F27536}"/>
+          </ac:spMkLst>
+        </pc:spChg>
+        <pc:spChg chg="add mod">
+          <ac:chgData name="尾嵜 成真" userId="dd95f81a979e9056" providerId="LiveId" clId="{261289AE-FA7C-4CE5-8626-F461A71A7004}" dt="2023-01-12T09:04:04.905" v="360" actId="1076"/>
+          <ac:spMkLst>
+            <pc:docMk/>
+            <pc:sldMk cId="4190097553" sldId="303"/>
+            <ac:spMk id="7" creationId="{0A9DF4CA-A130-7598-3E60-7416732F4692}"/>
+          </ac:spMkLst>
+        </pc:spChg>
+        <pc:spChg chg="del">
+          <ac:chgData name="尾嵜 成真" userId="dd95f81a979e9056" providerId="LiveId" clId="{261289AE-FA7C-4CE5-8626-F461A71A7004}" dt="2023-01-12T08:54:50.945" v="51" actId="21"/>
+          <ac:spMkLst>
+            <pc:docMk/>
+            <pc:sldMk cId="4190097553" sldId="303"/>
+            <ac:spMk id="10" creationId="{8651F9A1-698E-5887-581B-DB5C35D78A45}"/>
+          </ac:spMkLst>
+        </pc:spChg>
+        <pc:spChg chg="mod">
+          <ac:chgData name="尾嵜 成真" userId="dd95f81a979e9056" providerId="LiveId" clId="{261289AE-FA7C-4CE5-8626-F461A71A7004}" dt="2023-01-12T08:58:07.250" v="298" actId="14100"/>
+          <ac:spMkLst>
+            <pc:docMk/>
+            <pc:sldMk cId="4190097553" sldId="303"/>
+            <ac:spMk id="22" creationId="{130837D4-140A-1DB8-3B90-658860BB5C5B}"/>
+          </ac:spMkLst>
+        </pc:spChg>
+        <pc:spChg chg="mod">
+          <ac:chgData name="尾嵜 成真" userId="dd95f81a979e9056" providerId="LiveId" clId="{261289AE-FA7C-4CE5-8626-F461A71A7004}" dt="2023-01-15T06:28:55.925" v="3394" actId="20577"/>
+          <ac:spMkLst>
+            <pc:docMk/>
+            <pc:sldMk cId="4190097553" sldId="303"/>
+            <ac:spMk id="26" creationId="{4C6CF6C6-84B1-9D0E-1D23-344066B0F396}"/>
+          </ac:spMkLst>
+        </pc:spChg>
+        <pc:picChg chg="add del mod">
+          <ac:chgData name="尾嵜 成真" userId="dd95f81a979e9056" providerId="LiveId" clId="{261289AE-FA7C-4CE5-8626-F461A71A7004}" dt="2023-01-12T09:03:43.908" v="351" actId="478"/>
+          <ac:picMkLst>
+            <pc:docMk/>
+            <pc:sldMk cId="4190097553" sldId="303"/>
+            <ac:picMk id="3" creationId="{4EF5794C-D484-D01C-4042-C6EB0D9ED67D}"/>
+          </ac:picMkLst>
+        </pc:picChg>
+        <pc:picChg chg="add mod">
+          <ac:chgData name="尾嵜 成真" userId="dd95f81a979e9056" providerId="LiveId" clId="{261289AE-FA7C-4CE5-8626-F461A71A7004}" dt="2023-01-12T09:03:59.441" v="359" actId="1076"/>
+          <ac:picMkLst>
+            <pc:docMk/>
+            <pc:sldMk cId="4190097553" sldId="303"/>
+            <ac:picMk id="6" creationId="{EF1798BA-EE46-54ED-BDDE-14B5D9B753EC}"/>
+          </ac:picMkLst>
+        </pc:picChg>
+        <pc:picChg chg="del">
+          <ac:chgData name="尾嵜 成真" userId="dd95f81a979e9056" providerId="LiveId" clId="{261289AE-FA7C-4CE5-8626-F461A71A7004}" dt="2023-01-12T08:54:46.333" v="48" actId="478"/>
+          <ac:picMkLst>
+            <pc:docMk/>
+            <pc:sldMk cId="4190097553" sldId="303"/>
+            <ac:picMk id="9" creationId="{8FDAE5A2-1F42-C716-85A1-99DE6F246787}"/>
+          </ac:picMkLst>
+        </pc:picChg>
+      </pc:sldChg>
+      <pc:sldChg chg="addSp delSp modSp mod">
+        <pc:chgData name="尾嵜 成真" userId="dd95f81a979e9056" providerId="LiveId" clId="{261289AE-FA7C-4CE5-8626-F461A71A7004}" dt="2023-01-12T09:00:58.921" v="337" actId="14100"/>
+        <pc:sldMkLst>
+          <pc:docMk/>
+          <pc:sldMk cId="1793902739" sldId="305"/>
+        </pc:sldMkLst>
+        <pc:spChg chg="mod">
+          <ac:chgData name="尾嵜 成真" userId="dd95f81a979e9056" providerId="LiveId" clId="{261289AE-FA7C-4CE5-8626-F461A71A7004}" dt="2023-01-12T09:00:58.921" v="337" actId="14100"/>
+          <ac:spMkLst>
+            <pc:docMk/>
+            <pc:sldMk cId="1793902739" sldId="305"/>
+            <ac:spMk id="10" creationId="{4C8D8093-D708-E46A-39FD-79BFCCF8875B}"/>
+          </ac:spMkLst>
+        </pc:spChg>
+        <pc:graphicFrameChg chg="add del mod">
+          <ac:chgData name="尾嵜 成真" userId="dd95f81a979e9056" providerId="LiveId" clId="{261289AE-FA7C-4CE5-8626-F461A71A7004}" dt="2023-01-12T09:00:49.191" v="334"/>
+          <ac:graphicFrameMkLst>
+            <pc:docMk/>
+            <pc:sldMk cId="1793902739" sldId="305"/>
+            <ac:graphicFrameMk id="2" creationId="{BAB19AA5-E9F4-F5A3-79B2-24E9C1164D5F}"/>
+          </ac:graphicFrameMkLst>
+        </pc:graphicFrameChg>
+        <pc:graphicFrameChg chg="mod">
+          <ac:chgData name="尾嵜 成真" userId="dd95f81a979e9056" providerId="LiveId" clId="{261289AE-FA7C-4CE5-8626-F461A71A7004}" dt="2023-01-12T09:00:46.082" v="330" actId="1076"/>
+          <ac:graphicFrameMkLst>
+            <pc:docMk/>
+            <pc:sldMk cId="1793902739" sldId="305"/>
+            <ac:graphicFrameMk id="25" creationId="{3CFF4B47-98A9-D733-0321-B17F59799447}"/>
+          </ac:graphicFrameMkLst>
+        </pc:graphicFrameChg>
+        <pc:graphicFrameChg chg="mod">
+          <ac:chgData name="尾嵜 成真" userId="dd95f81a979e9056" providerId="LiveId" clId="{261289AE-FA7C-4CE5-8626-F461A71A7004}" dt="2023-01-12T09:00:46.082" v="330" actId="1076"/>
+          <ac:graphicFrameMkLst>
+            <pc:docMk/>
+            <pc:sldMk cId="1793902739" sldId="305"/>
+            <ac:graphicFrameMk id="30" creationId="{214E2012-FCD6-F5BF-3BAB-B787756B59E3}"/>
+          </ac:graphicFrameMkLst>
+        </pc:graphicFrameChg>
+        <pc:graphicFrameChg chg="mod modGraphic">
+          <ac:chgData name="尾嵜 成真" userId="dd95f81a979e9056" providerId="LiveId" clId="{261289AE-FA7C-4CE5-8626-F461A71A7004}" dt="2023-01-12T09:00:46.082" v="330" actId="1076"/>
+          <ac:graphicFrameMkLst>
+            <pc:docMk/>
+            <pc:sldMk cId="1793902739" sldId="305"/>
+            <ac:graphicFrameMk id="31" creationId="{48DC726C-6E54-B2D0-3B8B-B4BA03014533}"/>
+          </ac:graphicFrameMkLst>
+        </pc:graphicFrameChg>
+        <pc:graphicFrameChg chg="mod">
+          <ac:chgData name="尾嵜 成真" userId="dd95f81a979e9056" providerId="LiveId" clId="{261289AE-FA7C-4CE5-8626-F461A71A7004}" dt="2023-01-12T09:00:46.082" v="330" actId="1076"/>
+          <ac:graphicFrameMkLst>
+            <pc:docMk/>
+            <pc:sldMk cId="1793902739" sldId="305"/>
+            <ac:graphicFrameMk id="32" creationId="{09633478-8EA1-EC49-9A21-449910C52C1D}"/>
+          </ac:graphicFrameMkLst>
+        </pc:graphicFrameChg>
+      </pc:sldChg>
+      <pc:sldChg chg="addSp delSp modSp del mod">
+        <pc:chgData name="尾嵜 成真" userId="dd95f81a979e9056" providerId="LiveId" clId="{261289AE-FA7C-4CE5-8626-F461A71A7004}" dt="2023-01-15T06:29:18.791" v="3395" actId="47"/>
+        <pc:sldMkLst>
+          <pc:docMk/>
+          <pc:sldMk cId="3198427016" sldId="306"/>
+        </pc:sldMkLst>
+        <pc:spChg chg="add del">
+          <ac:chgData name="尾嵜 成真" userId="dd95f81a979e9056" providerId="LiveId" clId="{261289AE-FA7C-4CE5-8626-F461A71A7004}" dt="2023-01-12T09:07:48.248" v="410" actId="22"/>
+          <ac:spMkLst>
+            <pc:docMk/>
+            <pc:sldMk cId="3198427016" sldId="306"/>
+            <ac:spMk id="7" creationId="{10A4F8A7-8A7F-65FB-AE24-49DE2221C229}"/>
+          </ac:spMkLst>
+        </pc:spChg>
+        <pc:spChg chg="mod">
+          <ac:chgData name="尾嵜 成真" userId="dd95f81a979e9056" providerId="LiveId" clId="{261289AE-FA7C-4CE5-8626-F461A71A7004}" dt="2023-01-12T09:07:53.267" v="417"/>
+          <ac:spMkLst>
+            <pc:docMk/>
+            <pc:sldMk cId="3198427016" sldId="306"/>
+            <ac:spMk id="10" creationId="{4C8D8093-D708-E46A-39FD-79BFCCF8875B}"/>
+          </ac:spMkLst>
+        </pc:spChg>
+        <pc:graphicFrameChg chg="mod modGraphic">
+          <ac:chgData name="尾嵜 成真" userId="dd95f81a979e9056" providerId="LiveId" clId="{261289AE-FA7C-4CE5-8626-F461A71A7004}" dt="2023-01-12T09:07:29.643" v="407" actId="20577"/>
+          <ac:graphicFrameMkLst>
+            <pc:docMk/>
+            <pc:sldMk cId="3198427016" sldId="306"/>
+            <ac:graphicFrameMk id="2" creationId="{4A46E109-EF54-CBF0-8FCA-158AEC5AE535}"/>
+          </ac:graphicFrameMkLst>
+        </pc:graphicFrameChg>
+        <pc:graphicFrameChg chg="add del mod">
+          <ac:chgData name="尾嵜 成真" userId="dd95f81a979e9056" providerId="LiveId" clId="{261289AE-FA7C-4CE5-8626-F461A71A7004}" dt="2023-01-12T09:01:11.599" v="339"/>
+          <ac:graphicFrameMkLst>
+            <pc:docMk/>
+            <pc:sldMk cId="3198427016" sldId="306"/>
+            <ac:graphicFrameMk id="3" creationId="{4C5CA0E0-A286-2EB0-698A-D94123BCA81F}"/>
+          </ac:graphicFrameMkLst>
+        </pc:graphicFrameChg>
+        <pc:graphicFrameChg chg="add del mod modGraphic">
+          <ac:chgData name="尾嵜 成真" userId="dd95f81a979e9056" providerId="LiveId" clId="{261289AE-FA7C-4CE5-8626-F461A71A7004}" dt="2023-01-12T09:07:13.944" v="405" actId="207"/>
+          <ac:graphicFrameMkLst>
+            <pc:docMk/>
+            <pc:sldMk cId="3198427016" sldId="306"/>
+            <ac:graphicFrameMk id="4" creationId="{F9B8FF01-FAF6-78EA-838F-9757583E8040}"/>
+          </ac:graphicFrameMkLst>
+        </pc:graphicFrameChg>
+        <pc:graphicFrameChg chg="del">
+          <ac:chgData name="尾嵜 成真" userId="dd95f81a979e9056" providerId="LiveId" clId="{261289AE-FA7C-4CE5-8626-F461A71A7004}" dt="2023-01-12T09:01:21.720" v="343" actId="478"/>
+          <ac:graphicFrameMkLst>
+            <pc:docMk/>
+            <pc:sldMk cId="3198427016" sldId="306"/>
+            <ac:graphicFrameMk id="5" creationId="{BD37686A-DCE8-BE18-07EE-C87BAC7B8406}"/>
+          </ac:graphicFrameMkLst>
+        </pc:graphicFrameChg>
+        <pc:graphicFrameChg chg="add mod modGraphic">
+          <ac:chgData name="尾嵜 成真" userId="dd95f81a979e9056" providerId="LiveId" clId="{261289AE-FA7C-4CE5-8626-F461A71A7004}" dt="2023-01-12T09:09:15.379" v="467" actId="207"/>
+          <ac:graphicFrameMkLst>
+            <pc:docMk/>
+            <pc:sldMk cId="3198427016" sldId="306"/>
+            <ac:graphicFrameMk id="8" creationId="{9626AFB6-7AC3-028B-C620-47C13AB51FC8}"/>
+          </ac:graphicFrameMkLst>
+        </pc:graphicFrameChg>
+        <pc:graphicFrameChg chg="add mod modGraphic">
+          <ac:chgData name="尾嵜 成真" userId="dd95f81a979e9056" providerId="LiveId" clId="{261289AE-FA7C-4CE5-8626-F461A71A7004}" dt="2023-01-12T09:20:55.922" v="829" actId="207"/>
+          <ac:graphicFrameMkLst>
+            <pc:docMk/>
+            <pc:sldMk cId="3198427016" sldId="306"/>
+            <ac:graphicFrameMk id="9" creationId="{65F5991B-EDC6-B641-A61B-9A2FC96EF726}"/>
+          </ac:graphicFrameMkLst>
+        </pc:graphicFrameChg>
+      </pc:sldChg>
+      <pc:sldChg chg="modSp del mod">
+        <pc:chgData name="尾嵜 成真" userId="dd95f81a979e9056" providerId="LiveId" clId="{261289AE-FA7C-4CE5-8626-F461A71A7004}" dt="2023-01-12T09:09:24.486" v="469" actId="47"/>
+        <pc:sldMkLst>
+          <pc:docMk/>
+          <pc:sldMk cId="1778224841" sldId="394"/>
+        </pc:sldMkLst>
+        <pc:spChg chg="mod">
+          <ac:chgData name="尾嵜 成真" userId="dd95f81a979e9056" providerId="LiveId" clId="{261289AE-FA7C-4CE5-8626-F461A71A7004}" dt="2023-01-12T09:07:45.770" v="408" actId="21"/>
+          <ac:spMkLst>
+            <pc:docMk/>
+            <pc:sldMk cId="1778224841" sldId="394"/>
+            <ac:spMk id="10" creationId="{4C8D8093-D708-E46A-39FD-79BFCCF8875B}"/>
+          </ac:spMkLst>
+        </pc:spChg>
+      </pc:sldChg>
+      <pc:sldChg chg="del">
+        <pc:chgData name="尾嵜 成真" userId="dd95f81a979e9056" providerId="LiveId" clId="{261289AE-FA7C-4CE5-8626-F461A71A7004}" dt="2023-01-12T09:09:29.421" v="470" actId="47"/>
+        <pc:sldMkLst>
+          <pc:docMk/>
+          <pc:sldMk cId="1148648546" sldId="395"/>
+        </pc:sldMkLst>
+      </pc:sldChg>
+      <pc:sldChg chg="modSp mod">
+        <pc:chgData name="尾嵜 成真" userId="dd95f81a979e9056" providerId="LiveId" clId="{261289AE-FA7C-4CE5-8626-F461A71A7004}" dt="2023-01-13T14:55:51.024" v="1863" actId="113"/>
+        <pc:sldMkLst>
+          <pc:docMk/>
+          <pc:sldMk cId="1362757188" sldId="406"/>
+        </pc:sldMkLst>
+        <pc:spChg chg="mod">
+          <ac:chgData name="尾嵜 成真" userId="dd95f81a979e9056" providerId="LiveId" clId="{261289AE-FA7C-4CE5-8626-F461A71A7004}" dt="2023-01-13T14:55:51.024" v="1863" actId="113"/>
+          <ac:spMkLst>
+            <pc:docMk/>
+            <pc:sldMk cId="1362757188" sldId="406"/>
+            <ac:spMk id="10" creationId="{4C8D8093-D708-E46A-39FD-79BFCCF8875B}"/>
+          </ac:spMkLst>
+        </pc:spChg>
+        <pc:spChg chg="mod">
+          <ac:chgData name="尾嵜 成真" userId="dd95f81a979e9056" providerId="LiveId" clId="{261289AE-FA7C-4CE5-8626-F461A71A7004}" dt="2023-01-12T10:45:50.224" v="841"/>
+          <ac:spMkLst>
+            <pc:docMk/>
+            <pc:sldMk cId="1362757188" sldId="406"/>
+            <ac:spMk id="28" creationId="{B0F217A8-646C-15BA-6733-F4B0F1014565}"/>
+          </ac:spMkLst>
+        </pc:spChg>
+        <pc:spChg chg="mod">
+          <ac:chgData name="尾嵜 成真" userId="dd95f81a979e9056" providerId="LiveId" clId="{261289AE-FA7C-4CE5-8626-F461A71A7004}" dt="2023-01-12T11:59:21.447" v="846" actId="20577"/>
+          <ac:spMkLst>
+            <pc:docMk/>
+            <pc:sldMk cId="1362757188" sldId="406"/>
+            <ac:spMk id="29" creationId="{A17934AB-FCC8-3776-1635-6E61D9A7D43B}"/>
+          </ac:spMkLst>
+        </pc:spChg>
+      </pc:sldChg>
+      <pc:sldChg chg="addSp modSp mod">
+        <pc:chgData name="尾嵜 成真" userId="dd95f81a979e9056" providerId="LiveId" clId="{261289AE-FA7C-4CE5-8626-F461A71A7004}" dt="2023-01-13T15:12:35.878" v="1954" actId="20577"/>
+        <pc:sldMkLst>
+          <pc:docMk/>
+          <pc:sldMk cId="2298084990" sldId="407"/>
+        </pc:sldMkLst>
+        <pc:spChg chg="add mod">
+          <ac:chgData name="尾嵜 成真" userId="dd95f81a979e9056" providerId="LiveId" clId="{261289AE-FA7C-4CE5-8626-F461A71A7004}" dt="2023-01-12T09:21:29.856" v="834" actId="571"/>
+          <ac:spMkLst>
+            <pc:docMk/>
+            <pc:sldMk cId="2298084990" sldId="407"/>
+            <ac:spMk id="4" creationId="{DAF257A6-4FE3-D89C-E804-8196DE6CD591}"/>
+          </ac:spMkLst>
+        </pc:spChg>
+        <pc:spChg chg="mod">
+          <ac:chgData name="尾嵜 成真" userId="dd95f81a979e9056" providerId="LiveId" clId="{261289AE-FA7C-4CE5-8626-F461A71A7004}" dt="2023-01-13T15:12:35.878" v="1954" actId="20577"/>
+          <ac:spMkLst>
+            <pc:docMk/>
+            <pc:sldMk cId="2298084990" sldId="407"/>
+            <ac:spMk id="10" creationId="{4C8D8093-D708-E46A-39FD-79BFCCF8875B}"/>
+          </ac:spMkLst>
+        </pc:spChg>
+        <pc:graphicFrameChg chg="add mod modGraphic">
+          <ac:chgData name="尾嵜 成真" userId="dd95f81a979e9056" providerId="LiveId" clId="{261289AE-FA7C-4CE5-8626-F461A71A7004}" dt="2023-01-12T09:21:36.885" v="835" actId="1076"/>
+          <ac:graphicFrameMkLst>
+            <pc:docMk/>
+            <pc:sldMk cId="2298084990" sldId="407"/>
+            <ac:graphicFrameMk id="2" creationId="{85E29A6D-981C-5E51-58EE-A8431DB4FE15}"/>
+          </ac:graphicFrameMkLst>
+        </pc:graphicFrameChg>
+        <pc:graphicFrameChg chg="add mod modGraphic">
+          <ac:chgData name="尾嵜 成真" userId="dd95f81a979e9056" providerId="LiveId" clId="{261289AE-FA7C-4CE5-8626-F461A71A7004}" dt="2023-01-12T09:21:50.084" v="836" actId="1076"/>
+          <ac:graphicFrameMkLst>
+            <pc:docMk/>
+            <pc:sldMk cId="2298084990" sldId="407"/>
+            <ac:graphicFrameMk id="3" creationId="{B7EB18FC-B8B9-561C-BC53-10D207CB1AD5}"/>
+          </ac:graphicFrameMkLst>
+        </pc:graphicFrameChg>
+        <pc:graphicFrameChg chg="mod modGraphic">
+          <ac:chgData name="尾嵜 成真" userId="dd95f81a979e9056" providerId="LiveId" clId="{261289AE-FA7C-4CE5-8626-F461A71A7004}" dt="2023-01-12T09:21:36.885" v="835" actId="1076"/>
+          <ac:graphicFrameMkLst>
+            <pc:docMk/>
+            <pc:sldMk cId="2298084990" sldId="407"/>
+            <ac:graphicFrameMk id="5" creationId="{53A7FBB1-5148-FEED-E8A4-8AC9734A1E50}"/>
+          </ac:graphicFrameMkLst>
+        </pc:graphicFrameChg>
+      </pc:sldChg>
+      <pc:sldChg chg="del">
+        <pc:chgData name="尾嵜 成真" userId="dd95f81a979e9056" providerId="LiveId" clId="{261289AE-FA7C-4CE5-8626-F461A71A7004}" dt="2023-01-13T16:02:54.914" v="3337" actId="47"/>
+        <pc:sldMkLst>
+          <pc:docMk/>
+          <pc:sldMk cId="2680518299" sldId="408"/>
+        </pc:sldMkLst>
+      </pc:sldChg>
+      <pc:sldChg chg="addSp delSp modSp add del mod">
+        <pc:chgData name="尾嵜 成真" userId="dd95f81a979e9056" providerId="LiveId" clId="{261289AE-FA7C-4CE5-8626-F461A71A7004}" dt="2023-01-15T06:27:48.879" v="3347" actId="20577"/>
+        <pc:sldMkLst>
+          <pc:docMk/>
+          <pc:sldMk cId="3139867923" sldId="410"/>
+        </pc:sldMkLst>
+        <pc:spChg chg="add mod">
+          <ac:chgData name="尾嵜 成真" userId="dd95f81a979e9056" providerId="LiveId" clId="{261289AE-FA7C-4CE5-8626-F461A71A7004}" dt="2023-01-13T15:49:23.330" v="2783" actId="1076"/>
+          <ac:spMkLst>
+            <pc:docMk/>
+            <pc:sldMk cId="3139867923" sldId="410"/>
+            <ac:spMk id="4" creationId="{01C98059-1FD9-341C-9CDE-B94D516A55B9}"/>
+          </ac:spMkLst>
+        </pc:spChg>
+        <pc:spChg chg="add mod">
+          <ac:chgData name="尾嵜 成真" userId="dd95f81a979e9056" providerId="LiveId" clId="{261289AE-FA7C-4CE5-8626-F461A71A7004}" dt="2023-01-13T15:54:09.633" v="3016" actId="20577"/>
+          <ac:spMkLst>
+            <pc:docMk/>
+            <pc:sldMk cId="3139867923" sldId="410"/>
+            <ac:spMk id="6" creationId="{CC74BEC2-63B3-CE7D-362F-3D8173ED8827}"/>
+          </ac:spMkLst>
+        </pc:spChg>
+        <pc:spChg chg="add mod">
+          <ac:chgData name="尾嵜 成真" userId="dd95f81a979e9056" providerId="LiveId" clId="{261289AE-FA7C-4CE5-8626-F461A71A7004}" dt="2023-01-13T15:54:01.860" v="3015" actId="20577"/>
+          <ac:spMkLst>
+            <pc:docMk/>
+            <pc:sldMk cId="3139867923" sldId="410"/>
+            <ac:spMk id="8" creationId="{E7AC5E83-09A9-1C57-CACD-CD5B5AEDD7D1}"/>
+          </ac:spMkLst>
+        </pc:spChg>
+        <pc:spChg chg="mod">
+          <ac:chgData name="尾嵜 成真" userId="dd95f81a979e9056" providerId="LiveId" clId="{261289AE-FA7C-4CE5-8626-F461A71A7004}" dt="2023-01-15T06:27:48.879" v="3347" actId="20577"/>
+          <ac:spMkLst>
+            <pc:docMk/>
+            <pc:sldMk cId="3139867923" sldId="410"/>
+            <ac:spMk id="10" creationId="{4C8D8093-D708-E46A-39FD-79BFCCF8875B}"/>
+          </ac:spMkLst>
+        </pc:spChg>
+        <pc:spChg chg="add mod">
+          <ac:chgData name="尾嵜 成真" userId="dd95f81a979e9056" providerId="LiveId" clId="{261289AE-FA7C-4CE5-8626-F461A71A7004}" dt="2023-01-13T15:55:21.107" v="3089" actId="20577"/>
+          <ac:spMkLst>
+            <pc:docMk/>
+            <pc:sldMk cId="3139867923" sldId="410"/>
+            <ac:spMk id="11" creationId="{11902838-52F0-0B18-D782-F918FE39B7EB}"/>
+          </ac:spMkLst>
+        </pc:spChg>
+        <pc:spChg chg="mod">
+          <ac:chgData name="尾嵜 成真" userId="dd95f81a979e9056" providerId="LiveId" clId="{261289AE-FA7C-4CE5-8626-F461A71A7004}" dt="2023-01-13T15:41:14.398" v="2590"/>
+          <ac:spMkLst>
+            <pc:docMk/>
+            <pc:sldMk cId="3139867923" sldId="410"/>
+            <ac:spMk id="28" creationId="{B0F217A8-646C-15BA-6733-F4B0F1014565}"/>
+          </ac:spMkLst>
+        </pc:spChg>
+        <pc:spChg chg="mod">
+          <ac:chgData name="尾嵜 成真" userId="dd95f81a979e9056" providerId="LiveId" clId="{261289AE-FA7C-4CE5-8626-F461A71A7004}" dt="2023-01-13T15:41:17.328" v="2597"/>
+          <ac:spMkLst>
+            <pc:docMk/>
+            <pc:sldMk cId="3139867923" sldId="410"/>
+            <ac:spMk id="29" creationId="{A17934AB-FCC8-3776-1635-6E61D9A7D43B}"/>
+          </ac:spMkLst>
+        </pc:spChg>
+        <pc:spChg chg="del">
+          <ac:chgData name="尾嵜 成真" userId="dd95f81a979e9056" providerId="LiveId" clId="{261289AE-FA7C-4CE5-8626-F461A71A7004}" dt="2023-01-13T15:31:57.053" v="2554" actId="478"/>
+          <ac:spMkLst>
+            <pc:docMk/>
+            <pc:sldMk cId="3139867923" sldId="410"/>
+            <ac:spMk id="101" creationId="{83A8B892-D58C-F214-CC73-696A21A79939}"/>
+          </ac:spMkLst>
+        </pc:spChg>
+        <pc:spChg chg="del">
+          <ac:chgData name="尾嵜 成真" userId="dd95f81a979e9056" providerId="LiveId" clId="{261289AE-FA7C-4CE5-8626-F461A71A7004}" dt="2023-01-13T15:31:57.053" v="2554" actId="478"/>
+          <ac:spMkLst>
+            <pc:docMk/>
+            <pc:sldMk cId="3139867923" sldId="410"/>
+            <ac:spMk id="109" creationId="{EDA8A187-0998-43B3-54C9-2CADE2B043D4}"/>
+          </ac:spMkLst>
+        </pc:spChg>
+        <pc:spChg chg="del">
+          <ac:chgData name="尾嵜 成真" userId="dd95f81a979e9056" providerId="LiveId" clId="{261289AE-FA7C-4CE5-8626-F461A71A7004}" dt="2023-01-13T15:31:57.053" v="2554" actId="478"/>
+          <ac:spMkLst>
+            <pc:docMk/>
+            <pc:sldMk cId="3139867923" sldId="410"/>
+            <ac:spMk id="110" creationId="{2CFC3419-D60F-CB0D-FF84-B747B8D76E23}"/>
+          </ac:spMkLst>
+        </pc:spChg>
+        <pc:spChg chg="del">
+          <ac:chgData name="尾嵜 成真" userId="dd95f81a979e9056" providerId="LiveId" clId="{261289AE-FA7C-4CE5-8626-F461A71A7004}" dt="2023-01-13T15:31:57.053" v="2554" actId="478"/>
+          <ac:spMkLst>
+            <pc:docMk/>
+            <pc:sldMk cId="3139867923" sldId="410"/>
+            <ac:spMk id="111" creationId="{914AEE6C-0E7E-CB37-FE7A-B345D6A90E92}"/>
+          </ac:spMkLst>
+        </pc:spChg>
+        <pc:spChg chg="del">
+          <ac:chgData name="尾嵜 成真" userId="dd95f81a979e9056" providerId="LiveId" clId="{261289AE-FA7C-4CE5-8626-F461A71A7004}" dt="2023-01-13T15:31:57.053" v="2554" actId="478"/>
+          <ac:spMkLst>
+            <pc:docMk/>
+            <pc:sldMk cId="3139867923" sldId="410"/>
+            <ac:spMk id="124" creationId="{3F76A605-AD10-5810-F66F-05A802FABF68}"/>
+          </ac:spMkLst>
+        </pc:spChg>
+        <pc:spChg chg="del">
+          <ac:chgData name="尾嵜 成真" userId="dd95f81a979e9056" providerId="LiveId" clId="{261289AE-FA7C-4CE5-8626-F461A71A7004}" dt="2023-01-13T15:31:57.053" v="2554" actId="478"/>
+          <ac:spMkLst>
+            <pc:docMk/>
+            <pc:sldMk cId="3139867923" sldId="410"/>
+            <ac:spMk id="125" creationId="{E179C35C-E085-2F47-047A-B3A7FC0E2C92}"/>
+          </ac:spMkLst>
+        </pc:spChg>
+        <pc:picChg chg="add mod">
+          <ac:chgData name="尾嵜 成真" userId="dd95f81a979e9056" providerId="LiveId" clId="{261289AE-FA7C-4CE5-8626-F461A71A7004}" dt="2023-01-13T15:49:23.330" v="2783" actId="1076"/>
+          <ac:picMkLst>
+            <pc:docMk/>
+            <pc:sldMk cId="3139867923" sldId="410"/>
+            <ac:picMk id="3" creationId="{A222B41D-EC04-4D95-261B-1DED6A91DEB7}"/>
+          </ac:picMkLst>
+        </pc:picChg>
+        <pc:picChg chg="add mod">
+          <ac:chgData name="尾嵜 成真" userId="dd95f81a979e9056" providerId="LiveId" clId="{261289AE-FA7C-4CE5-8626-F461A71A7004}" dt="2023-01-13T15:50:58.801" v="2877" actId="1076"/>
+          <ac:picMkLst>
+            <pc:docMk/>
+            <pc:sldMk cId="3139867923" sldId="410"/>
+            <ac:picMk id="5" creationId="{597A3163-1D66-B87A-7919-96AC0BD3CF79}"/>
+          </ac:picMkLst>
+        </pc:picChg>
+        <pc:picChg chg="add mod">
+          <ac:chgData name="尾嵜 成真" userId="dd95f81a979e9056" providerId="LiveId" clId="{261289AE-FA7C-4CE5-8626-F461A71A7004}" dt="2023-01-13T15:53:30.057" v="2993" actId="1076"/>
+          <ac:picMkLst>
+            <pc:docMk/>
+            <pc:sldMk cId="3139867923" sldId="410"/>
+            <ac:picMk id="7" creationId="{C78760EB-6D48-CEE1-693D-1E9655C33BD9}"/>
+          </ac:picMkLst>
+        </pc:picChg>
+        <pc:picChg chg="add mod">
+          <ac:chgData name="尾嵜 成真" userId="dd95f81a979e9056" providerId="LiveId" clId="{261289AE-FA7C-4CE5-8626-F461A71A7004}" dt="2023-01-13T15:55:00.827" v="3074" actId="1076"/>
+          <ac:picMkLst>
+            <pc:docMk/>
+            <pc:sldMk cId="3139867923" sldId="410"/>
+            <ac:picMk id="9" creationId="{4D8AA87D-AF13-9CD8-7AEB-BD52341ECD24}"/>
+          </ac:picMkLst>
+        </pc:picChg>
+        <pc:picChg chg="del">
+          <ac:chgData name="尾嵜 成真" userId="dd95f81a979e9056" providerId="LiveId" clId="{261289AE-FA7C-4CE5-8626-F461A71A7004}" dt="2023-01-13T15:31:57.053" v="2554" actId="478"/>
+          <ac:picMkLst>
+            <pc:docMk/>
+            <pc:sldMk cId="3139867923" sldId="410"/>
+            <ac:picMk id="100" creationId="{0A02E126-E294-0FC2-6361-EBA70307C44C}"/>
+          </ac:picMkLst>
+        </pc:picChg>
+        <pc:picChg chg="del">
+          <ac:chgData name="尾嵜 成真" userId="dd95f81a979e9056" providerId="LiveId" clId="{261289AE-FA7C-4CE5-8626-F461A71A7004}" dt="2023-01-13T15:31:57.053" v="2554" actId="478"/>
+          <ac:picMkLst>
+            <pc:docMk/>
+            <pc:sldMk cId="3139867923" sldId="410"/>
+            <ac:picMk id="102" creationId="{1BA8F531-B3E1-2119-0925-BDB80F0E4459}"/>
+          </ac:picMkLst>
+        </pc:picChg>
+        <pc:picChg chg="del">
+          <ac:chgData name="尾嵜 成真" userId="dd95f81a979e9056" providerId="LiveId" clId="{261289AE-FA7C-4CE5-8626-F461A71A7004}" dt="2023-01-13T15:31:57.053" v="2554" actId="478"/>
+          <ac:picMkLst>
+            <pc:docMk/>
+            <pc:sldMk cId="3139867923" sldId="410"/>
+            <ac:picMk id="103" creationId="{82F268A2-8A07-5422-07CF-431A18381E3B}"/>
+          </ac:picMkLst>
+        </pc:picChg>
+        <pc:picChg chg="del">
+          <ac:chgData name="尾嵜 成真" userId="dd95f81a979e9056" providerId="LiveId" clId="{261289AE-FA7C-4CE5-8626-F461A71A7004}" dt="2023-01-13T15:31:57.053" v="2554" actId="478"/>
+          <ac:picMkLst>
+            <pc:docMk/>
+            <pc:sldMk cId="3139867923" sldId="410"/>
+            <ac:picMk id="104" creationId="{39AD31B7-7DC4-0F2B-BDFA-1020890911C3}"/>
+          </ac:picMkLst>
+        </pc:picChg>
+        <pc:picChg chg="del">
+          <ac:chgData name="尾嵜 成真" userId="dd95f81a979e9056" providerId="LiveId" clId="{261289AE-FA7C-4CE5-8626-F461A71A7004}" dt="2023-01-13T15:31:57.053" v="2554" actId="478"/>
+          <ac:picMkLst>
+            <pc:docMk/>
+            <pc:sldMk cId="3139867923" sldId="410"/>
+            <ac:picMk id="105" creationId="{A8291433-FF71-2251-F8B2-6A85C6B387C3}"/>
+          </ac:picMkLst>
+        </pc:picChg>
+        <pc:picChg chg="del">
+          <ac:chgData name="尾嵜 成真" userId="dd95f81a979e9056" providerId="LiveId" clId="{261289AE-FA7C-4CE5-8626-F461A71A7004}" dt="2023-01-13T15:31:57.053" v="2554" actId="478"/>
+          <ac:picMkLst>
+            <pc:docMk/>
+            <pc:sldMk cId="3139867923" sldId="410"/>
+            <ac:picMk id="112" creationId="{BF63A4D2-70AC-D7FF-CC83-A00A2AF6D775}"/>
+          </ac:picMkLst>
+        </pc:picChg>
+        <pc:picChg chg="del">
+          <ac:chgData name="尾嵜 成真" userId="dd95f81a979e9056" providerId="LiveId" clId="{261289AE-FA7C-4CE5-8626-F461A71A7004}" dt="2023-01-13T15:31:57.053" v="2554" actId="478"/>
+          <ac:picMkLst>
+            <pc:docMk/>
+            <pc:sldMk cId="3139867923" sldId="410"/>
+            <ac:picMk id="113" creationId="{AB232B70-D12C-4A94-C4EA-C0D42481C341}"/>
+          </ac:picMkLst>
+        </pc:picChg>
+        <pc:picChg chg="del">
+          <ac:chgData name="尾嵜 成真" userId="dd95f81a979e9056" providerId="LiveId" clId="{261289AE-FA7C-4CE5-8626-F461A71A7004}" dt="2023-01-13T15:31:57.053" v="2554" actId="478"/>
+          <ac:picMkLst>
+            <pc:docMk/>
+            <pc:sldMk cId="3139867923" sldId="410"/>
+            <ac:picMk id="114" creationId="{882C1337-2934-157D-73AF-C1AA6DA0332C}"/>
+          </ac:picMkLst>
+        </pc:picChg>
+        <pc:picChg chg="del">
+          <ac:chgData name="尾嵜 成真" userId="dd95f81a979e9056" providerId="LiveId" clId="{261289AE-FA7C-4CE5-8626-F461A71A7004}" dt="2023-01-13T15:31:57.053" v="2554" actId="478"/>
+          <ac:picMkLst>
+            <pc:docMk/>
+            <pc:sldMk cId="3139867923" sldId="410"/>
+            <ac:picMk id="115" creationId="{09DF699D-7513-818D-8A2F-3B6320E917BC}"/>
+          </ac:picMkLst>
+        </pc:picChg>
+        <pc:picChg chg="del">
+          <ac:chgData name="尾嵜 成真" userId="dd95f81a979e9056" providerId="LiveId" clId="{261289AE-FA7C-4CE5-8626-F461A71A7004}" dt="2023-01-13T15:31:57.053" v="2554" actId="478"/>
+          <ac:picMkLst>
+            <pc:docMk/>
+            <pc:sldMk cId="3139867923" sldId="410"/>
+            <ac:picMk id="116" creationId="{8359B24D-F8F7-B77F-4806-CE4CD3670AF3}"/>
+          </ac:picMkLst>
+        </pc:picChg>
+        <pc:picChg chg="del">
+          <ac:chgData name="尾嵜 成真" userId="dd95f81a979e9056" providerId="LiveId" clId="{261289AE-FA7C-4CE5-8626-F461A71A7004}" dt="2023-01-13T15:31:57.053" v="2554" actId="478"/>
+          <ac:picMkLst>
+            <pc:docMk/>
+            <pc:sldMk cId="3139867923" sldId="410"/>
+            <ac:picMk id="117" creationId="{26DE2BEC-6FCC-FB0A-2F19-E08184929CEC}"/>
+          </ac:picMkLst>
+        </pc:picChg>
+        <pc:cxnChg chg="del mod">
+          <ac:chgData name="尾嵜 成真" userId="dd95f81a979e9056" providerId="LiveId" clId="{261289AE-FA7C-4CE5-8626-F461A71A7004}" dt="2023-01-13T15:31:57.053" v="2554" actId="478"/>
+          <ac:cxnSpMkLst>
+            <pc:docMk/>
+            <pc:sldMk cId="3139867923" sldId="410"/>
+            <ac:cxnSpMk id="106" creationId="{91A6949D-D1A0-192D-A852-9A3E52C8E592}"/>
+          </ac:cxnSpMkLst>
+        </pc:cxnChg>
+        <pc:cxnChg chg="del mod">
+          <ac:chgData name="尾嵜 成真" userId="dd95f81a979e9056" providerId="LiveId" clId="{261289AE-FA7C-4CE5-8626-F461A71A7004}" dt="2023-01-13T15:31:57.053" v="2554" actId="478"/>
+          <ac:cxnSpMkLst>
+            <pc:docMk/>
+            <pc:sldMk cId="3139867923" sldId="410"/>
+            <ac:cxnSpMk id="107" creationId="{494B561B-5428-AB60-E95C-65D9EC103032}"/>
+          </ac:cxnSpMkLst>
+        </pc:cxnChg>
+        <pc:cxnChg chg="del mod">
+          <ac:chgData name="尾嵜 成真" userId="dd95f81a979e9056" providerId="LiveId" clId="{261289AE-FA7C-4CE5-8626-F461A71A7004}" dt="2023-01-13T15:31:57.053" v="2554" actId="478"/>
+          <ac:cxnSpMkLst>
+            <pc:docMk/>
+            <pc:sldMk cId="3139867923" sldId="410"/>
+            <ac:cxnSpMk id="108" creationId="{14A39E33-55B1-FD2B-2EE9-51797A5E5EBC}"/>
+          </ac:cxnSpMkLst>
+        </pc:cxnChg>
+        <pc:cxnChg chg="del mod">
+          <ac:chgData name="尾嵜 成真" userId="dd95f81a979e9056" providerId="LiveId" clId="{261289AE-FA7C-4CE5-8626-F461A71A7004}" dt="2023-01-13T15:31:57.053" v="2554" actId="478"/>
+          <ac:cxnSpMkLst>
+            <pc:docMk/>
+            <pc:sldMk cId="3139867923" sldId="410"/>
+            <ac:cxnSpMk id="118" creationId="{27AA0824-F5DD-1921-C221-868D58E2B98E}"/>
+          </ac:cxnSpMkLst>
+        </pc:cxnChg>
+        <pc:cxnChg chg="del mod">
+          <ac:chgData name="尾嵜 成真" userId="dd95f81a979e9056" providerId="LiveId" clId="{261289AE-FA7C-4CE5-8626-F461A71A7004}" dt="2023-01-13T15:31:57.053" v="2554" actId="478"/>
+          <ac:cxnSpMkLst>
+            <pc:docMk/>
+            <pc:sldMk cId="3139867923" sldId="410"/>
+            <ac:cxnSpMk id="119" creationId="{130011E1-473B-6BFA-838F-5B368B13F642}"/>
+          </ac:cxnSpMkLst>
+        </pc:cxnChg>
+        <pc:cxnChg chg="del mod">
+          <ac:chgData name="尾嵜 成真" userId="dd95f81a979e9056" providerId="LiveId" clId="{261289AE-FA7C-4CE5-8626-F461A71A7004}" dt="2023-01-13T15:31:57.053" v="2554" actId="478"/>
+          <ac:cxnSpMkLst>
+            <pc:docMk/>
+            <pc:sldMk cId="3139867923" sldId="410"/>
+            <ac:cxnSpMk id="120" creationId="{311DE159-5153-490B-2A15-8C6E241C90D8}"/>
+          </ac:cxnSpMkLst>
+        </pc:cxnChg>
+        <pc:cxnChg chg="del mod">
+          <ac:chgData name="尾嵜 成真" userId="dd95f81a979e9056" providerId="LiveId" clId="{261289AE-FA7C-4CE5-8626-F461A71A7004}" dt="2023-01-13T15:31:57.053" v="2554" actId="478"/>
+          <ac:cxnSpMkLst>
+            <pc:docMk/>
+            <pc:sldMk cId="3139867923" sldId="410"/>
+            <ac:cxnSpMk id="121" creationId="{748CE440-DC84-6AA8-E120-CD809491F765}"/>
+          </ac:cxnSpMkLst>
+        </pc:cxnChg>
+        <pc:cxnChg chg="del mod">
+          <ac:chgData name="尾嵜 成真" userId="dd95f81a979e9056" providerId="LiveId" clId="{261289AE-FA7C-4CE5-8626-F461A71A7004}" dt="2023-01-13T15:31:57.053" v="2554" actId="478"/>
+          <ac:cxnSpMkLst>
+            <pc:docMk/>
+            <pc:sldMk cId="3139867923" sldId="410"/>
+            <ac:cxnSpMk id="122" creationId="{3F4ABB59-BC35-5804-A138-E5E194E1E335}"/>
+          </ac:cxnSpMkLst>
+        </pc:cxnChg>
+        <pc:cxnChg chg="del mod">
+          <ac:chgData name="尾嵜 成真" userId="dd95f81a979e9056" providerId="LiveId" clId="{261289AE-FA7C-4CE5-8626-F461A71A7004}" dt="2023-01-13T15:31:57.053" v="2554" actId="478"/>
+          <ac:cxnSpMkLst>
+            <pc:docMk/>
+            <pc:sldMk cId="3139867923" sldId="410"/>
+            <ac:cxnSpMk id="123" creationId="{6441C048-4807-FF38-CDF6-C7FE2FAB7950}"/>
+          </ac:cxnSpMkLst>
+        </pc:cxnChg>
+      </pc:sldChg>
+      <pc:sldChg chg="del">
+        <pc:chgData name="尾嵜 成真" userId="dd95f81a979e9056" providerId="LiveId" clId="{261289AE-FA7C-4CE5-8626-F461A71A7004}" dt="2023-01-13T16:02:55.754" v="3338" actId="47"/>
+        <pc:sldMkLst>
+          <pc:docMk/>
+          <pc:sldMk cId="3565108647" sldId="411"/>
+        </pc:sldMkLst>
+      </pc:sldChg>
+      <pc:sldChg chg="del">
+        <pc:chgData name="尾嵜 成真" userId="dd95f81a979e9056" providerId="LiveId" clId="{261289AE-FA7C-4CE5-8626-F461A71A7004}" dt="2023-01-13T16:02:56.457" v="3339" actId="47"/>
+        <pc:sldMkLst>
+          <pc:docMk/>
+          <pc:sldMk cId="2948967432" sldId="412"/>
+        </pc:sldMkLst>
+      </pc:sldChg>
+      <pc:sldChg chg="del">
+        <pc:chgData name="尾嵜 成真" userId="dd95f81a979e9056" providerId="LiveId" clId="{261289AE-FA7C-4CE5-8626-F461A71A7004}" dt="2023-01-13T16:02:56.691" v="3340" actId="47"/>
+        <pc:sldMkLst>
+          <pc:docMk/>
+          <pc:sldMk cId="3553905273" sldId="415"/>
+        </pc:sldMkLst>
+      </pc:sldChg>
+      <pc:sldChg chg="del">
+        <pc:chgData name="尾嵜 成真" userId="dd95f81a979e9056" providerId="LiveId" clId="{261289AE-FA7C-4CE5-8626-F461A71A7004}" dt="2023-01-13T16:02:56.910" v="3341" actId="47"/>
+        <pc:sldMkLst>
+          <pc:docMk/>
+          <pc:sldMk cId="305311975" sldId="416"/>
+        </pc:sldMkLst>
+      </pc:sldChg>
+      <pc:sldChg chg="del">
+        <pc:chgData name="尾嵜 成真" userId="dd95f81a979e9056" providerId="LiveId" clId="{261289AE-FA7C-4CE5-8626-F461A71A7004}" dt="2023-01-13T16:02:57.128" v="3342" actId="47"/>
+        <pc:sldMkLst>
+          <pc:docMk/>
+          <pc:sldMk cId="343408756" sldId="417"/>
+        </pc:sldMkLst>
+      </pc:sldChg>
+      <pc:sldChg chg="delSp modSp add mod ord">
+        <pc:chgData name="尾嵜 成真" userId="dd95f81a979e9056" providerId="LiveId" clId="{261289AE-FA7C-4CE5-8626-F461A71A7004}" dt="2023-01-13T15:31:30.584" v="2553" actId="20577"/>
+        <pc:sldMkLst>
+          <pc:docMk/>
+          <pc:sldMk cId="1930483195" sldId="418"/>
+        </pc:sldMkLst>
+        <pc:spChg chg="mod">
+          <ac:chgData name="尾嵜 成真" userId="dd95f81a979e9056" providerId="LiveId" clId="{261289AE-FA7C-4CE5-8626-F461A71A7004}" dt="2023-01-13T15:31:30.584" v="2553" actId="20577"/>
+          <ac:spMkLst>
+            <pc:docMk/>
+            <pc:sldMk cId="1930483195" sldId="418"/>
+            <ac:spMk id="10" creationId="{4C8D8093-D708-E46A-39FD-79BFCCF8875B}"/>
+          </ac:spMkLst>
+        </pc:spChg>
+        <pc:spChg chg="mod">
+          <ac:chgData name="尾嵜 成真" userId="dd95f81a979e9056" providerId="LiveId" clId="{261289AE-FA7C-4CE5-8626-F461A71A7004}" dt="2023-01-13T15:12:25.647" v="1950"/>
+          <ac:spMkLst>
+            <pc:docMk/>
+            <pc:sldMk cId="1930483195" sldId="418"/>
+            <ac:spMk id="28" creationId="{B0F217A8-646C-15BA-6733-F4B0F1014565}"/>
+          </ac:spMkLst>
+        </pc:spChg>
+        <pc:spChg chg="mod">
+          <ac:chgData name="尾嵜 成真" userId="dd95f81a979e9056" providerId="LiveId" clId="{261289AE-FA7C-4CE5-8626-F461A71A7004}" dt="2023-01-13T15:12:25.647" v="1950"/>
+          <ac:spMkLst>
+            <pc:docMk/>
+            <pc:sldMk cId="1930483195" sldId="418"/>
+            <ac:spMk id="29" creationId="{A17934AB-FCC8-3776-1635-6E61D9A7D43B}"/>
+          </ac:spMkLst>
+        </pc:spChg>
+        <pc:spChg chg="del">
+          <ac:chgData name="尾嵜 成真" userId="dd95f81a979e9056" providerId="LiveId" clId="{261289AE-FA7C-4CE5-8626-F461A71A7004}" dt="2023-01-13T10:11:24.838" v="1269" actId="478"/>
+          <ac:spMkLst>
+            <pc:docMk/>
+            <pc:sldMk cId="1930483195" sldId="418"/>
+            <ac:spMk id="101" creationId="{83A8B892-D58C-F214-CC73-696A21A79939}"/>
+          </ac:spMkLst>
+        </pc:spChg>
+        <pc:spChg chg="del">
+          <ac:chgData name="尾嵜 成真" userId="dd95f81a979e9056" providerId="LiveId" clId="{261289AE-FA7C-4CE5-8626-F461A71A7004}" dt="2023-01-13T10:11:24.838" v="1269" actId="478"/>
+          <ac:spMkLst>
+            <pc:docMk/>
+            <pc:sldMk cId="1930483195" sldId="418"/>
+            <ac:spMk id="109" creationId="{EDA8A187-0998-43B3-54C9-2CADE2B043D4}"/>
+          </ac:spMkLst>
+        </pc:spChg>
+        <pc:spChg chg="del">
+          <ac:chgData name="尾嵜 成真" userId="dd95f81a979e9056" providerId="LiveId" clId="{261289AE-FA7C-4CE5-8626-F461A71A7004}" dt="2023-01-13T10:11:24.838" v="1269" actId="478"/>
+          <ac:spMkLst>
+            <pc:docMk/>
+            <pc:sldMk cId="1930483195" sldId="418"/>
+            <ac:spMk id="110" creationId="{2CFC3419-D60F-CB0D-FF84-B747B8D76E23}"/>
+          </ac:spMkLst>
+        </pc:spChg>
+        <pc:spChg chg="del">
+          <ac:chgData name="尾嵜 成真" userId="dd95f81a979e9056" providerId="LiveId" clId="{261289AE-FA7C-4CE5-8626-F461A71A7004}" dt="2023-01-13T10:11:24.838" v="1269" actId="478"/>
+          <ac:spMkLst>
+            <pc:docMk/>
+            <pc:sldMk cId="1930483195" sldId="418"/>
+            <ac:spMk id="111" creationId="{914AEE6C-0E7E-CB37-FE7A-B345D6A90E92}"/>
+          </ac:spMkLst>
+        </pc:spChg>
+        <pc:spChg chg="del">
+          <ac:chgData name="尾嵜 成真" userId="dd95f81a979e9056" providerId="LiveId" clId="{261289AE-FA7C-4CE5-8626-F461A71A7004}" dt="2023-01-13T10:11:24.838" v="1269" actId="478"/>
+          <ac:spMkLst>
+            <pc:docMk/>
+            <pc:sldMk cId="1930483195" sldId="418"/>
+            <ac:spMk id="124" creationId="{3F76A605-AD10-5810-F66F-05A802FABF68}"/>
+          </ac:spMkLst>
+        </pc:spChg>
+        <pc:spChg chg="del">
+          <ac:chgData name="尾嵜 成真" userId="dd95f81a979e9056" providerId="LiveId" clId="{261289AE-FA7C-4CE5-8626-F461A71A7004}" dt="2023-01-13T10:11:24.838" v="1269" actId="478"/>
+          <ac:spMkLst>
+            <pc:docMk/>
+            <pc:sldMk cId="1930483195" sldId="418"/>
+            <ac:spMk id="125" creationId="{E179C35C-E085-2F47-047A-B3A7FC0E2C92}"/>
+          </ac:spMkLst>
+        </pc:spChg>
+        <pc:picChg chg="del">
+          <ac:chgData name="尾嵜 成真" userId="dd95f81a979e9056" providerId="LiveId" clId="{261289AE-FA7C-4CE5-8626-F461A71A7004}" dt="2023-01-13T10:11:24.838" v="1269" actId="478"/>
+          <ac:picMkLst>
+            <pc:docMk/>
+            <pc:sldMk cId="1930483195" sldId="418"/>
+            <ac:picMk id="100" creationId="{0A02E126-E294-0FC2-6361-EBA70307C44C}"/>
+          </ac:picMkLst>
+        </pc:picChg>
+        <pc:picChg chg="del">
+          <ac:chgData name="尾嵜 成真" userId="dd95f81a979e9056" providerId="LiveId" clId="{261289AE-FA7C-4CE5-8626-F461A71A7004}" dt="2023-01-13T10:11:24.838" v="1269" actId="478"/>
+          <ac:picMkLst>
+            <pc:docMk/>
+            <pc:sldMk cId="1930483195" sldId="418"/>
+            <ac:picMk id="102" creationId="{1BA8F531-B3E1-2119-0925-BDB80F0E4459}"/>
+          </ac:picMkLst>
+        </pc:picChg>
+        <pc:picChg chg="del">
+          <ac:chgData name="尾嵜 成真" userId="dd95f81a979e9056" providerId="LiveId" clId="{261289AE-FA7C-4CE5-8626-F461A71A7004}" dt="2023-01-13T10:11:24.838" v="1269" actId="478"/>
+          <ac:picMkLst>
+            <pc:docMk/>
+            <pc:sldMk cId="1930483195" sldId="418"/>
+            <ac:picMk id="103" creationId="{82F268A2-8A07-5422-07CF-431A18381E3B}"/>
+          </ac:picMkLst>
+        </pc:picChg>
+        <pc:picChg chg="del">
+          <ac:chgData name="尾嵜 成真" userId="dd95f81a979e9056" providerId="LiveId" clId="{261289AE-FA7C-4CE5-8626-F461A71A7004}" dt="2023-01-13T10:11:24.838" v="1269" actId="478"/>
+          <ac:picMkLst>
+            <pc:docMk/>
+            <pc:sldMk cId="1930483195" sldId="418"/>
+            <ac:picMk id="104" creationId="{39AD31B7-7DC4-0F2B-BDFA-1020890911C3}"/>
+          </ac:picMkLst>
+        </pc:picChg>
+        <pc:picChg chg="del">
+          <ac:chgData name="尾嵜 成真" userId="dd95f81a979e9056" providerId="LiveId" clId="{261289AE-FA7C-4CE5-8626-F461A71A7004}" dt="2023-01-13T10:11:24.838" v="1269" actId="478"/>
+          <ac:picMkLst>
+            <pc:docMk/>
+            <pc:sldMk cId="1930483195" sldId="418"/>
+            <ac:picMk id="105" creationId="{A8291433-FF71-2251-F8B2-6A85C6B387C3}"/>
+          </ac:picMkLst>
+        </pc:picChg>
+        <pc:picChg chg="del">
+          <ac:chgData name="尾嵜 成真" userId="dd95f81a979e9056" providerId="LiveId" clId="{261289AE-FA7C-4CE5-8626-F461A71A7004}" dt="2023-01-13T10:11:24.838" v="1269" actId="478"/>
+          <ac:picMkLst>
+            <pc:docMk/>
+            <pc:sldMk cId="1930483195" sldId="418"/>
+            <ac:picMk id="112" creationId="{BF63A4D2-70AC-D7FF-CC83-A00A2AF6D775}"/>
+          </ac:picMkLst>
+        </pc:picChg>
+        <pc:picChg chg="del">
+          <ac:chgData name="尾嵜 成真" userId="dd95f81a979e9056" providerId="LiveId" clId="{261289AE-FA7C-4CE5-8626-F461A71A7004}" dt="2023-01-13T10:11:24.838" v="1269" actId="478"/>
+          <ac:picMkLst>
+            <pc:docMk/>
+            <pc:sldMk cId="1930483195" sldId="418"/>
+            <ac:picMk id="113" creationId="{AB232B70-D12C-4A94-C4EA-C0D42481C341}"/>
+          </ac:picMkLst>
+        </pc:picChg>
+        <pc:picChg chg="del">
+          <ac:chgData name="尾嵜 成真" userId="dd95f81a979e9056" providerId="LiveId" clId="{261289AE-FA7C-4CE5-8626-F461A71A7004}" dt="2023-01-13T10:11:24.838" v="1269" actId="478"/>
+          <ac:picMkLst>
+            <pc:docMk/>
+            <pc:sldMk cId="1930483195" sldId="418"/>
+            <ac:picMk id="114" creationId="{882C1337-2934-157D-73AF-C1AA6DA0332C}"/>
+          </ac:picMkLst>
+        </pc:picChg>
+        <pc:picChg chg="del">
+          <ac:chgData name="尾嵜 成真" userId="dd95f81a979e9056" providerId="LiveId" clId="{261289AE-FA7C-4CE5-8626-F461A71A7004}" dt="2023-01-13T10:11:24.838" v="1269" actId="478"/>
+          <ac:picMkLst>
+            <pc:docMk/>
+            <pc:sldMk cId="1930483195" sldId="418"/>
+            <ac:picMk id="115" creationId="{09DF699D-7513-818D-8A2F-3B6320E917BC}"/>
+          </ac:picMkLst>
+        </pc:picChg>
+        <pc:picChg chg="del">
+          <ac:chgData name="尾嵜 成真" userId="dd95f81a979e9056" providerId="LiveId" clId="{261289AE-FA7C-4CE5-8626-F461A71A7004}" dt="2023-01-13T10:11:24.838" v="1269" actId="478"/>
+          <ac:picMkLst>
+            <pc:docMk/>
+            <pc:sldMk cId="1930483195" sldId="418"/>
+            <ac:picMk id="116" creationId="{8359B24D-F8F7-B77F-4806-CE4CD3670AF3}"/>
+          </ac:picMkLst>
+        </pc:picChg>
+        <pc:picChg chg="del">
+          <ac:chgData name="尾嵜 成真" userId="dd95f81a979e9056" providerId="LiveId" clId="{261289AE-FA7C-4CE5-8626-F461A71A7004}" dt="2023-01-13T10:11:24.838" v="1269" actId="478"/>
+          <ac:picMkLst>
+            <pc:docMk/>
+            <pc:sldMk cId="1930483195" sldId="418"/>
+            <ac:picMk id="117" creationId="{26DE2BEC-6FCC-FB0A-2F19-E08184929CEC}"/>
+          </ac:picMkLst>
+        </pc:picChg>
+        <pc:cxnChg chg="del mod">
+          <ac:chgData name="尾嵜 成真" userId="dd95f81a979e9056" providerId="LiveId" clId="{261289AE-FA7C-4CE5-8626-F461A71A7004}" dt="2023-01-13T10:11:24.838" v="1269" actId="478"/>
+          <ac:cxnSpMkLst>
+            <pc:docMk/>
+            <pc:sldMk cId="1930483195" sldId="418"/>
+            <ac:cxnSpMk id="106" creationId="{91A6949D-D1A0-192D-A852-9A3E52C8E592}"/>
+          </ac:cxnSpMkLst>
+        </pc:cxnChg>
+        <pc:cxnChg chg="del mod">
+          <ac:chgData name="尾嵜 成真" userId="dd95f81a979e9056" providerId="LiveId" clId="{261289AE-FA7C-4CE5-8626-F461A71A7004}" dt="2023-01-13T10:11:24.838" v="1269" actId="478"/>
+          <ac:cxnSpMkLst>
+            <pc:docMk/>
+            <pc:sldMk cId="1930483195" sldId="418"/>
+            <ac:cxnSpMk id="107" creationId="{494B561B-5428-AB60-E95C-65D9EC103032}"/>
+          </ac:cxnSpMkLst>
+        </pc:cxnChg>
+        <pc:cxnChg chg="del mod">
+          <ac:chgData name="尾嵜 成真" userId="dd95f81a979e9056" providerId="LiveId" clId="{261289AE-FA7C-4CE5-8626-F461A71A7004}" dt="2023-01-13T10:11:24.838" v="1269" actId="478"/>
+          <ac:cxnSpMkLst>
+            <pc:docMk/>
+            <pc:sldMk cId="1930483195" sldId="418"/>
+            <ac:cxnSpMk id="108" creationId="{14A39E33-55B1-FD2B-2EE9-51797A5E5EBC}"/>
+          </ac:cxnSpMkLst>
+        </pc:cxnChg>
+        <pc:cxnChg chg="del mod">
+          <ac:chgData name="尾嵜 成真" userId="dd95f81a979e9056" providerId="LiveId" clId="{261289AE-FA7C-4CE5-8626-F461A71A7004}" dt="2023-01-13T10:11:24.838" v="1269" actId="478"/>
+          <ac:cxnSpMkLst>
+            <pc:docMk/>
+            <pc:sldMk cId="1930483195" sldId="418"/>
+            <ac:cxnSpMk id="118" creationId="{27AA0824-F5DD-1921-C221-868D58E2B98E}"/>
+          </ac:cxnSpMkLst>
+        </pc:cxnChg>
+        <pc:cxnChg chg="del mod">
+          <ac:chgData name="尾嵜 成真" userId="dd95f81a979e9056" providerId="LiveId" clId="{261289AE-FA7C-4CE5-8626-F461A71A7004}" dt="2023-01-13T10:11:24.838" v="1269" actId="478"/>
+          <ac:cxnSpMkLst>
+            <pc:docMk/>
+            <pc:sldMk cId="1930483195" sldId="418"/>
+            <ac:cxnSpMk id="119" creationId="{130011E1-473B-6BFA-838F-5B368B13F642}"/>
+          </ac:cxnSpMkLst>
+        </pc:cxnChg>
+        <pc:cxnChg chg="del mod">
+          <ac:chgData name="尾嵜 成真" userId="dd95f81a979e9056" providerId="LiveId" clId="{261289AE-FA7C-4CE5-8626-F461A71A7004}" dt="2023-01-13T10:11:24.838" v="1269" actId="478"/>
+          <ac:cxnSpMkLst>
+            <pc:docMk/>
+            <pc:sldMk cId="1930483195" sldId="418"/>
+            <ac:cxnSpMk id="120" creationId="{311DE159-5153-490B-2A15-8C6E241C90D8}"/>
+          </ac:cxnSpMkLst>
+        </pc:cxnChg>
+        <pc:cxnChg chg="del mod">
+          <ac:chgData name="尾嵜 成真" userId="dd95f81a979e9056" providerId="LiveId" clId="{261289AE-FA7C-4CE5-8626-F461A71A7004}" dt="2023-01-13T10:11:24.838" v="1269" actId="478"/>
+          <ac:cxnSpMkLst>
+            <pc:docMk/>
+            <pc:sldMk cId="1930483195" sldId="418"/>
+            <ac:cxnSpMk id="121" creationId="{748CE440-DC84-6AA8-E120-CD809491F765}"/>
+          </ac:cxnSpMkLst>
+        </pc:cxnChg>
+        <pc:cxnChg chg="del mod">
+          <ac:chgData name="尾嵜 成真" userId="dd95f81a979e9056" providerId="LiveId" clId="{261289AE-FA7C-4CE5-8626-F461A71A7004}" dt="2023-01-13T10:11:24.838" v="1269" actId="478"/>
+          <ac:cxnSpMkLst>
+            <pc:docMk/>
+            <pc:sldMk cId="1930483195" sldId="418"/>
+            <ac:cxnSpMk id="122" creationId="{3F4ABB59-BC35-5804-A138-E5E194E1E335}"/>
+          </ac:cxnSpMkLst>
+        </pc:cxnChg>
+        <pc:cxnChg chg="del mod">
+          <ac:chgData name="尾嵜 成真" userId="dd95f81a979e9056" providerId="LiveId" clId="{261289AE-FA7C-4CE5-8626-F461A71A7004}" dt="2023-01-13T10:11:24.838" v="1269" actId="478"/>
+          <ac:cxnSpMkLst>
+            <pc:docMk/>
+            <pc:sldMk cId="1930483195" sldId="418"/>
+            <ac:cxnSpMk id="123" creationId="{6441C048-4807-FF38-CDF6-C7FE2FAB7950}"/>
+          </ac:cxnSpMkLst>
+        </pc:cxnChg>
+      </pc:sldChg>
+      <pc:sldChg chg="new del">
+        <pc:chgData name="尾嵜 成真" userId="dd95f81a979e9056" providerId="LiveId" clId="{261289AE-FA7C-4CE5-8626-F461A71A7004}" dt="2023-01-15T06:29:33.809" v="3416" actId="47"/>
+        <pc:sldMkLst>
+          <pc:docMk/>
+          <pc:sldMk cId="3108966437" sldId="419"/>
+        </pc:sldMkLst>
+      </pc:sldChg>
+      <pc:sldChg chg="new del">
+        <pc:chgData name="尾嵜 成真" userId="dd95f81a979e9056" providerId="LiveId" clId="{261289AE-FA7C-4CE5-8626-F461A71A7004}" dt="2023-01-15T06:29:34.043" v="3417" actId="47"/>
+        <pc:sldMkLst>
+          <pc:docMk/>
+          <pc:sldMk cId="4134926211" sldId="420"/>
+        </pc:sldMkLst>
+      </pc:sldChg>
+      <pc:sldChg chg="new del">
+        <pc:chgData name="尾嵜 成真" userId="dd95f81a979e9056" providerId="LiveId" clId="{261289AE-FA7C-4CE5-8626-F461A71A7004}" dt="2023-01-15T06:29:34.950" v="3418" actId="47"/>
+        <pc:sldMkLst>
+          <pc:docMk/>
+          <pc:sldMk cId="2935844502" sldId="421"/>
+        </pc:sldMkLst>
+      </pc:sldChg>
+      <pc:sldChg chg="new del">
+        <pc:chgData name="尾嵜 成真" userId="dd95f81a979e9056" providerId="LiveId" clId="{261289AE-FA7C-4CE5-8626-F461A71A7004}" dt="2023-01-15T06:29:35.371" v="3419" actId="47"/>
+        <pc:sldMkLst>
+          <pc:docMk/>
+          <pc:sldMk cId="3447549296" sldId="422"/>
+        </pc:sldMkLst>
+      </pc:sldChg>
+      <pc:sldChg chg="new del">
+        <pc:chgData name="尾嵜 成真" userId="dd95f81a979e9056" providerId="LiveId" clId="{261289AE-FA7C-4CE5-8626-F461A71A7004}" dt="2023-01-15T06:29:35.778" v="3420" actId="47"/>
+        <pc:sldMkLst>
+          <pc:docMk/>
+          <pc:sldMk cId="3787148432" sldId="423"/>
+        </pc:sldMkLst>
+      </pc:sldChg>
+      <pc:sldChg chg="new del">
+        <pc:chgData name="尾嵜 成真" userId="dd95f81a979e9056" providerId="LiveId" clId="{261289AE-FA7C-4CE5-8626-F461A71A7004}" dt="2023-01-15T06:29:36.184" v="3421" actId="47"/>
+        <pc:sldMkLst>
+          <pc:docMk/>
+          <pc:sldMk cId="2233472898" sldId="424"/>
+        </pc:sldMkLst>
+      </pc:sldChg>
+      <pc:sldChg chg="new del">
+        <pc:chgData name="尾嵜 成真" userId="dd95f81a979e9056" providerId="LiveId" clId="{261289AE-FA7C-4CE5-8626-F461A71A7004}" dt="2023-01-15T06:29:36.668" v="3422" actId="47"/>
+        <pc:sldMkLst>
+          <pc:docMk/>
+          <pc:sldMk cId="1589406591" sldId="425"/>
+        </pc:sldMkLst>
+      </pc:sldChg>
+      <pc:sldChg chg="new del">
+        <pc:chgData name="尾嵜 成真" userId="dd95f81a979e9056" providerId="LiveId" clId="{261289AE-FA7C-4CE5-8626-F461A71A7004}" dt="2023-01-15T06:29:37.184" v="3423" actId="47"/>
+        <pc:sldMkLst>
+          <pc:docMk/>
+          <pc:sldMk cId="1295600855" sldId="426"/>
+        </pc:sldMkLst>
+      </pc:sldChg>
+      <pc:sldChg chg="new del">
+        <pc:chgData name="尾嵜 成真" userId="dd95f81a979e9056" providerId="LiveId" clId="{261289AE-FA7C-4CE5-8626-F461A71A7004}" dt="2023-01-15T06:29:37.605" v="3424" actId="47"/>
+        <pc:sldMkLst>
+          <pc:docMk/>
+          <pc:sldMk cId="2376717919" sldId="427"/>
+        </pc:sldMkLst>
+      </pc:sldChg>
+      <pc:sldChg chg="new del">
+        <pc:chgData name="尾嵜 成真" userId="dd95f81a979e9056" providerId="LiveId" clId="{261289AE-FA7C-4CE5-8626-F461A71A7004}" dt="2023-01-15T06:29:38.059" v="3425" actId="47"/>
+        <pc:sldMkLst>
+          <pc:docMk/>
+          <pc:sldMk cId="6714374" sldId="428"/>
+        </pc:sldMkLst>
+      </pc:sldChg>
+      <pc:sldChg chg="new del">
+        <pc:chgData name="尾嵜 成真" userId="dd95f81a979e9056" providerId="LiveId" clId="{261289AE-FA7C-4CE5-8626-F461A71A7004}" dt="2023-01-15T06:29:38.434" v="3426" actId="47"/>
+        <pc:sldMkLst>
+          <pc:docMk/>
+          <pc:sldMk cId="1957603104" sldId="429"/>
+        </pc:sldMkLst>
+      </pc:sldChg>
+      <pc:sldChg chg="new del">
+        <pc:chgData name="尾嵜 成真" userId="dd95f81a979e9056" providerId="LiveId" clId="{261289AE-FA7C-4CE5-8626-F461A71A7004}" dt="2023-01-15T06:29:38.949" v="3427" actId="47"/>
+        <pc:sldMkLst>
+          <pc:docMk/>
+          <pc:sldMk cId="472109842" sldId="430"/>
+        </pc:sldMkLst>
+      </pc:sldChg>
+      <pc:sldChg chg="new del">
+        <pc:chgData name="尾嵜 成真" userId="dd95f81a979e9056" providerId="LiveId" clId="{261289AE-FA7C-4CE5-8626-F461A71A7004}" dt="2023-01-15T06:29:39.418" v="3428" actId="47"/>
+        <pc:sldMkLst>
+          <pc:docMk/>
+          <pc:sldMk cId="3064356623" sldId="431"/>
+        </pc:sldMkLst>
+      </pc:sldChg>
+      <pc:sldChg chg="new del">
+        <pc:chgData name="尾嵜 成真" userId="dd95f81a979e9056" providerId="LiveId" clId="{261289AE-FA7C-4CE5-8626-F461A71A7004}" dt="2023-01-15T06:29:39.824" v="3429" actId="47"/>
+        <pc:sldMkLst>
+          <pc:docMk/>
+          <pc:sldMk cId="2506139560" sldId="432"/>
+        </pc:sldMkLst>
+      </pc:sldChg>
+      <pc:sldChg chg="new del">
+        <pc:chgData name="尾嵜 成真" userId="dd95f81a979e9056" providerId="LiveId" clId="{261289AE-FA7C-4CE5-8626-F461A71A7004}" dt="2023-01-15T06:29:43.355" v="3430" actId="47"/>
+        <pc:sldMkLst>
+          <pc:docMk/>
+          <pc:sldMk cId="3135272439" sldId="433"/>
+        </pc:sldMkLst>
+      </pc:sldChg>
+      <pc:sldChg chg="new del">
+        <pc:chgData name="尾嵜 成真" userId="dd95f81a979e9056" providerId="LiveId" clId="{261289AE-FA7C-4CE5-8626-F461A71A7004}" dt="2023-01-15T06:29:43.793" v="3431" actId="47"/>
+        <pc:sldMkLst>
+          <pc:docMk/>
+          <pc:sldMk cId="451437345" sldId="434"/>
+        </pc:sldMkLst>
+      </pc:sldChg>
+      <pc:sldChg chg="new del">
+        <pc:chgData name="尾嵜 成真" userId="dd95f81a979e9056" providerId="LiveId" clId="{261289AE-FA7C-4CE5-8626-F461A71A7004}" dt="2023-01-15T06:29:44.136" v="3432" actId="47"/>
+        <pc:sldMkLst>
+          <pc:docMk/>
+          <pc:sldMk cId="3991438989" sldId="435"/>
+        </pc:sldMkLst>
+      </pc:sldChg>
+      <pc:sldChg chg="new del">
+        <pc:chgData name="尾嵜 成真" userId="dd95f81a979e9056" providerId="LiveId" clId="{261289AE-FA7C-4CE5-8626-F461A71A7004}" dt="2023-01-15T06:29:44.511" v="3433" actId="47"/>
+        <pc:sldMkLst>
+          <pc:docMk/>
+          <pc:sldMk cId="125730631" sldId="436"/>
+        </pc:sldMkLst>
+      </pc:sldChg>
+      <pc:sldChg chg="new del">
+        <pc:chgData name="尾嵜 成真" userId="dd95f81a979e9056" providerId="LiveId" clId="{261289AE-FA7C-4CE5-8626-F461A71A7004}" dt="2023-01-15T06:29:45.074" v="3434" actId="47"/>
+        <pc:sldMkLst>
+          <pc:docMk/>
+          <pc:sldMk cId="237065274" sldId="437"/>
+        </pc:sldMkLst>
+      </pc:sldChg>
+      <pc:sldChg chg="new del">
+        <pc:chgData name="尾嵜 成真" userId="dd95f81a979e9056" providerId="LiveId" clId="{261289AE-FA7C-4CE5-8626-F461A71A7004}" dt="2023-01-15T06:29:45.574" v="3435" actId="47"/>
+        <pc:sldMkLst>
+          <pc:docMk/>
+          <pc:sldMk cId="2986861723" sldId="438"/>
+        </pc:sldMkLst>
+      </pc:sldChg>
+    </pc:docChg>
+  </pc:docChgLst>
+  <pc:docChgLst>
     <pc:chgData name="尾嵜 成真" userId="dd95f81a979e9056" providerId="LiveId" clId="{17755A40-A7A9-4FA6-8632-C2FF9700AB17}"/>
     <pc:docChg chg="undo custSel addSld delSld modSld">
       <pc:chgData name="尾嵜 成真" userId="dd95f81a979e9056" providerId="LiveId" clId="{17755A40-A7A9-4FA6-8632-C2FF9700AB17}" dt="2023-01-03T15:22:44.157" v="2748" actId="1076"/>
@@ -7871,1089 +9050,6 @@
             <ac:picMk id="13" creationId="{4B519090-F769-D42C-690C-E3E92EE5222B}"/>
           </ac:picMkLst>
         </pc:picChg>
-      </pc:sldChg>
-    </pc:docChg>
-  </pc:docChgLst>
-  <pc:docChgLst>
-    <pc:chgData name="尾嵜 成真" userId="dd95f81a979e9056" providerId="LiveId" clId="{261289AE-FA7C-4CE5-8626-F461A71A7004}"/>
-    <pc:docChg chg="undo custSel addSld delSld modSld sldOrd">
-      <pc:chgData name="尾嵜 成真" userId="dd95f81a979e9056" providerId="LiveId" clId="{261289AE-FA7C-4CE5-8626-F461A71A7004}" dt="2023-01-15T06:29:45.574" v="3435" actId="47"/>
-      <pc:docMkLst>
-        <pc:docMk/>
-      </pc:docMkLst>
-      <pc:sldChg chg="modSp mod">
-        <pc:chgData name="尾嵜 成真" userId="dd95f81a979e9056" providerId="LiveId" clId="{261289AE-FA7C-4CE5-8626-F461A71A7004}" dt="2023-01-15T06:28:36.400" v="3390"/>
-        <pc:sldMkLst>
-          <pc:docMk/>
-          <pc:sldMk cId="0" sldId="259"/>
-        </pc:sldMkLst>
-        <pc:spChg chg="mod">
-          <ac:chgData name="尾嵜 成真" userId="dd95f81a979e9056" providerId="LiveId" clId="{261289AE-FA7C-4CE5-8626-F461A71A7004}" dt="2023-01-15T06:28:07.277" v="3352"/>
-          <ac:spMkLst>
-            <pc:docMk/>
-            <pc:sldMk cId="0" sldId="259"/>
-            <ac:spMk id="19" creationId="{C6CA1394-23CE-E914-905A-097451AC4BCF}"/>
-          </ac:spMkLst>
-        </pc:spChg>
-        <pc:spChg chg="mod">
-          <ac:chgData name="尾嵜 成真" userId="dd95f81a979e9056" providerId="LiveId" clId="{261289AE-FA7C-4CE5-8626-F461A71A7004}" dt="2023-01-15T06:28:19.901" v="3379" actId="20577"/>
-          <ac:spMkLst>
-            <pc:docMk/>
-            <pc:sldMk cId="0" sldId="259"/>
-            <ac:spMk id="22" creationId="{6286828B-49EF-1DB2-95F8-A3227739ECEA}"/>
-          </ac:spMkLst>
-        </pc:spChg>
-        <pc:spChg chg="mod">
-          <ac:chgData name="尾嵜 成真" userId="dd95f81a979e9056" providerId="LiveId" clId="{261289AE-FA7C-4CE5-8626-F461A71A7004}" dt="2023-01-15T06:28:36.400" v="3390"/>
-          <ac:spMkLst>
-            <pc:docMk/>
-            <pc:sldMk cId="0" sldId="259"/>
-            <ac:spMk id="23" creationId="{2E9F8BEE-54A9-4485-30DE-5BD610AD9383}"/>
-          </ac:spMkLst>
-        </pc:spChg>
-      </pc:sldChg>
-      <pc:sldChg chg="modSp mod">
-        <pc:chgData name="尾嵜 成真" userId="dd95f81a979e9056" providerId="LiveId" clId="{261289AE-FA7C-4CE5-8626-F461A71A7004}" dt="2023-01-12T08:26:25.458" v="47" actId="1076"/>
-        <pc:sldMkLst>
-          <pc:docMk/>
-          <pc:sldMk cId="0" sldId="293"/>
-        </pc:sldMkLst>
-        <pc:spChg chg="mod">
-          <ac:chgData name="尾嵜 成真" userId="dd95f81a979e9056" providerId="LiveId" clId="{261289AE-FA7C-4CE5-8626-F461A71A7004}" dt="2023-01-12T08:26:25.458" v="47" actId="1076"/>
-          <ac:spMkLst>
-            <pc:docMk/>
-            <pc:sldMk cId="0" sldId="293"/>
-            <ac:spMk id="7" creationId="{00000000-0000-0000-0000-000000000000}"/>
-          </ac:spMkLst>
-        </pc:spChg>
-      </pc:sldChg>
-      <pc:sldChg chg="add del">
-        <pc:chgData name="尾嵜 成真" userId="dd95f81a979e9056" providerId="LiveId" clId="{261289AE-FA7C-4CE5-8626-F461A71A7004}" dt="2023-01-13T16:03:01.700" v="3346" actId="47"/>
-        <pc:sldMkLst>
-          <pc:docMk/>
-          <pc:sldMk cId="0" sldId="297"/>
-        </pc:sldMkLst>
-      </pc:sldChg>
-      <pc:sldChg chg="addSp delSp modSp mod">
-        <pc:chgData name="尾嵜 成真" userId="dd95f81a979e9056" providerId="LiveId" clId="{261289AE-FA7C-4CE5-8626-F461A71A7004}" dt="2023-01-15T06:28:55.925" v="3394" actId="20577"/>
-        <pc:sldMkLst>
-          <pc:docMk/>
-          <pc:sldMk cId="4190097553" sldId="303"/>
-        </pc:sldMkLst>
-        <pc:spChg chg="add del mod">
-          <ac:chgData name="尾嵜 成真" userId="dd95f81a979e9056" providerId="LiveId" clId="{261289AE-FA7C-4CE5-8626-F461A71A7004}" dt="2023-01-12T09:03:49.194" v="354" actId="21"/>
-          <ac:spMkLst>
-            <pc:docMk/>
-            <pc:sldMk cId="4190097553" sldId="303"/>
-            <ac:spMk id="4" creationId="{B5F2B6C3-7C56-ED3E-0A55-124518F27536}"/>
-          </ac:spMkLst>
-        </pc:spChg>
-        <pc:spChg chg="add mod">
-          <ac:chgData name="尾嵜 成真" userId="dd95f81a979e9056" providerId="LiveId" clId="{261289AE-FA7C-4CE5-8626-F461A71A7004}" dt="2023-01-12T09:04:04.905" v="360" actId="1076"/>
-          <ac:spMkLst>
-            <pc:docMk/>
-            <pc:sldMk cId="4190097553" sldId="303"/>
-            <ac:spMk id="7" creationId="{0A9DF4CA-A130-7598-3E60-7416732F4692}"/>
-          </ac:spMkLst>
-        </pc:spChg>
-        <pc:spChg chg="del">
-          <ac:chgData name="尾嵜 成真" userId="dd95f81a979e9056" providerId="LiveId" clId="{261289AE-FA7C-4CE5-8626-F461A71A7004}" dt="2023-01-12T08:54:50.945" v="51" actId="21"/>
-          <ac:spMkLst>
-            <pc:docMk/>
-            <pc:sldMk cId="4190097553" sldId="303"/>
-            <ac:spMk id="10" creationId="{8651F9A1-698E-5887-581B-DB5C35D78A45}"/>
-          </ac:spMkLst>
-        </pc:spChg>
-        <pc:spChg chg="mod">
-          <ac:chgData name="尾嵜 成真" userId="dd95f81a979e9056" providerId="LiveId" clId="{261289AE-FA7C-4CE5-8626-F461A71A7004}" dt="2023-01-12T08:58:07.250" v="298" actId="14100"/>
-          <ac:spMkLst>
-            <pc:docMk/>
-            <pc:sldMk cId="4190097553" sldId="303"/>
-            <ac:spMk id="22" creationId="{130837D4-140A-1DB8-3B90-658860BB5C5B}"/>
-          </ac:spMkLst>
-        </pc:spChg>
-        <pc:spChg chg="mod">
-          <ac:chgData name="尾嵜 成真" userId="dd95f81a979e9056" providerId="LiveId" clId="{261289AE-FA7C-4CE5-8626-F461A71A7004}" dt="2023-01-15T06:28:55.925" v="3394" actId="20577"/>
-          <ac:spMkLst>
-            <pc:docMk/>
-            <pc:sldMk cId="4190097553" sldId="303"/>
-            <ac:spMk id="26" creationId="{4C6CF6C6-84B1-9D0E-1D23-344066B0F396}"/>
-          </ac:spMkLst>
-        </pc:spChg>
-        <pc:picChg chg="add del mod">
-          <ac:chgData name="尾嵜 成真" userId="dd95f81a979e9056" providerId="LiveId" clId="{261289AE-FA7C-4CE5-8626-F461A71A7004}" dt="2023-01-12T09:03:43.908" v="351" actId="478"/>
-          <ac:picMkLst>
-            <pc:docMk/>
-            <pc:sldMk cId="4190097553" sldId="303"/>
-            <ac:picMk id="3" creationId="{4EF5794C-D484-D01C-4042-C6EB0D9ED67D}"/>
-          </ac:picMkLst>
-        </pc:picChg>
-        <pc:picChg chg="add mod">
-          <ac:chgData name="尾嵜 成真" userId="dd95f81a979e9056" providerId="LiveId" clId="{261289AE-FA7C-4CE5-8626-F461A71A7004}" dt="2023-01-12T09:03:59.441" v="359" actId="1076"/>
-          <ac:picMkLst>
-            <pc:docMk/>
-            <pc:sldMk cId="4190097553" sldId="303"/>
-            <ac:picMk id="6" creationId="{EF1798BA-EE46-54ED-BDDE-14B5D9B753EC}"/>
-          </ac:picMkLst>
-        </pc:picChg>
-        <pc:picChg chg="del">
-          <ac:chgData name="尾嵜 成真" userId="dd95f81a979e9056" providerId="LiveId" clId="{261289AE-FA7C-4CE5-8626-F461A71A7004}" dt="2023-01-12T08:54:46.333" v="48" actId="478"/>
-          <ac:picMkLst>
-            <pc:docMk/>
-            <pc:sldMk cId="4190097553" sldId="303"/>
-            <ac:picMk id="9" creationId="{8FDAE5A2-1F42-C716-85A1-99DE6F246787}"/>
-          </ac:picMkLst>
-        </pc:picChg>
-      </pc:sldChg>
-      <pc:sldChg chg="addSp delSp modSp mod">
-        <pc:chgData name="尾嵜 成真" userId="dd95f81a979e9056" providerId="LiveId" clId="{261289AE-FA7C-4CE5-8626-F461A71A7004}" dt="2023-01-12T09:00:58.921" v="337" actId="14100"/>
-        <pc:sldMkLst>
-          <pc:docMk/>
-          <pc:sldMk cId="1793902739" sldId="305"/>
-        </pc:sldMkLst>
-        <pc:spChg chg="mod">
-          <ac:chgData name="尾嵜 成真" userId="dd95f81a979e9056" providerId="LiveId" clId="{261289AE-FA7C-4CE5-8626-F461A71A7004}" dt="2023-01-12T09:00:58.921" v="337" actId="14100"/>
-          <ac:spMkLst>
-            <pc:docMk/>
-            <pc:sldMk cId="1793902739" sldId="305"/>
-            <ac:spMk id="10" creationId="{4C8D8093-D708-E46A-39FD-79BFCCF8875B}"/>
-          </ac:spMkLst>
-        </pc:spChg>
-        <pc:graphicFrameChg chg="add del mod">
-          <ac:chgData name="尾嵜 成真" userId="dd95f81a979e9056" providerId="LiveId" clId="{261289AE-FA7C-4CE5-8626-F461A71A7004}" dt="2023-01-12T09:00:49.191" v="334"/>
-          <ac:graphicFrameMkLst>
-            <pc:docMk/>
-            <pc:sldMk cId="1793902739" sldId="305"/>
-            <ac:graphicFrameMk id="2" creationId="{BAB19AA5-E9F4-F5A3-79B2-24E9C1164D5F}"/>
-          </ac:graphicFrameMkLst>
-        </pc:graphicFrameChg>
-        <pc:graphicFrameChg chg="mod">
-          <ac:chgData name="尾嵜 成真" userId="dd95f81a979e9056" providerId="LiveId" clId="{261289AE-FA7C-4CE5-8626-F461A71A7004}" dt="2023-01-12T09:00:46.082" v="330" actId="1076"/>
-          <ac:graphicFrameMkLst>
-            <pc:docMk/>
-            <pc:sldMk cId="1793902739" sldId="305"/>
-            <ac:graphicFrameMk id="25" creationId="{3CFF4B47-98A9-D733-0321-B17F59799447}"/>
-          </ac:graphicFrameMkLst>
-        </pc:graphicFrameChg>
-        <pc:graphicFrameChg chg="mod">
-          <ac:chgData name="尾嵜 成真" userId="dd95f81a979e9056" providerId="LiveId" clId="{261289AE-FA7C-4CE5-8626-F461A71A7004}" dt="2023-01-12T09:00:46.082" v="330" actId="1076"/>
-          <ac:graphicFrameMkLst>
-            <pc:docMk/>
-            <pc:sldMk cId="1793902739" sldId="305"/>
-            <ac:graphicFrameMk id="30" creationId="{214E2012-FCD6-F5BF-3BAB-B787756B59E3}"/>
-          </ac:graphicFrameMkLst>
-        </pc:graphicFrameChg>
-        <pc:graphicFrameChg chg="mod modGraphic">
-          <ac:chgData name="尾嵜 成真" userId="dd95f81a979e9056" providerId="LiveId" clId="{261289AE-FA7C-4CE5-8626-F461A71A7004}" dt="2023-01-12T09:00:46.082" v="330" actId="1076"/>
-          <ac:graphicFrameMkLst>
-            <pc:docMk/>
-            <pc:sldMk cId="1793902739" sldId="305"/>
-            <ac:graphicFrameMk id="31" creationId="{48DC726C-6E54-B2D0-3B8B-B4BA03014533}"/>
-          </ac:graphicFrameMkLst>
-        </pc:graphicFrameChg>
-        <pc:graphicFrameChg chg="mod">
-          <ac:chgData name="尾嵜 成真" userId="dd95f81a979e9056" providerId="LiveId" clId="{261289AE-FA7C-4CE5-8626-F461A71A7004}" dt="2023-01-12T09:00:46.082" v="330" actId="1076"/>
-          <ac:graphicFrameMkLst>
-            <pc:docMk/>
-            <pc:sldMk cId="1793902739" sldId="305"/>
-            <ac:graphicFrameMk id="32" creationId="{09633478-8EA1-EC49-9A21-449910C52C1D}"/>
-          </ac:graphicFrameMkLst>
-        </pc:graphicFrameChg>
-      </pc:sldChg>
-      <pc:sldChg chg="addSp delSp modSp del mod">
-        <pc:chgData name="尾嵜 成真" userId="dd95f81a979e9056" providerId="LiveId" clId="{261289AE-FA7C-4CE5-8626-F461A71A7004}" dt="2023-01-15T06:29:18.791" v="3395" actId="47"/>
-        <pc:sldMkLst>
-          <pc:docMk/>
-          <pc:sldMk cId="3198427016" sldId="306"/>
-        </pc:sldMkLst>
-        <pc:spChg chg="add del">
-          <ac:chgData name="尾嵜 成真" userId="dd95f81a979e9056" providerId="LiveId" clId="{261289AE-FA7C-4CE5-8626-F461A71A7004}" dt="2023-01-12T09:07:48.248" v="410" actId="22"/>
-          <ac:spMkLst>
-            <pc:docMk/>
-            <pc:sldMk cId="3198427016" sldId="306"/>
-            <ac:spMk id="7" creationId="{10A4F8A7-8A7F-65FB-AE24-49DE2221C229}"/>
-          </ac:spMkLst>
-        </pc:spChg>
-        <pc:spChg chg="mod">
-          <ac:chgData name="尾嵜 成真" userId="dd95f81a979e9056" providerId="LiveId" clId="{261289AE-FA7C-4CE5-8626-F461A71A7004}" dt="2023-01-12T09:07:53.267" v="417"/>
-          <ac:spMkLst>
-            <pc:docMk/>
-            <pc:sldMk cId="3198427016" sldId="306"/>
-            <ac:spMk id="10" creationId="{4C8D8093-D708-E46A-39FD-79BFCCF8875B}"/>
-          </ac:spMkLst>
-        </pc:spChg>
-        <pc:graphicFrameChg chg="mod modGraphic">
-          <ac:chgData name="尾嵜 成真" userId="dd95f81a979e9056" providerId="LiveId" clId="{261289AE-FA7C-4CE5-8626-F461A71A7004}" dt="2023-01-12T09:07:29.643" v="407" actId="20577"/>
-          <ac:graphicFrameMkLst>
-            <pc:docMk/>
-            <pc:sldMk cId="3198427016" sldId="306"/>
-            <ac:graphicFrameMk id="2" creationId="{4A46E109-EF54-CBF0-8FCA-158AEC5AE535}"/>
-          </ac:graphicFrameMkLst>
-        </pc:graphicFrameChg>
-        <pc:graphicFrameChg chg="add del mod">
-          <ac:chgData name="尾嵜 成真" userId="dd95f81a979e9056" providerId="LiveId" clId="{261289AE-FA7C-4CE5-8626-F461A71A7004}" dt="2023-01-12T09:01:11.599" v="339"/>
-          <ac:graphicFrameMkLst>
-            <pc:docMk/>
-            <pc:sldMk cId="3198427016" sldId="306"/>
-            <ac:graphicFrameMk id="3" creationId="{4C5CA0E0-A286-2EB0-698A-D94123BCA81F}"/>
-          </ac:graphicFrameMkLst>
-        </pc:graphicFrameChg>
-        <pc:graphicFrameChg chg="add del mod modGraphic">
-          <ac:chgData name="尾嵜 成真" userId="dd95f81a979e9056" providerId="LiveId" clId="{261289AE-FA7C-4CE5-8626-F461A71A7004}" dt="2023-01-12T09:07:13.944" v="405" actId="207"/>
-          <ac:graphicFrameMkLst>
-            <pc:docMk/>
-            <pc:sldMk cId="3198427016" sldId="306"/>
-            <ac:graphicFrameMk id="4" creationId="{F9B8FF01-FAF6-78EA-838F-9757583E8040}"/>
-          </ac:graphicFrameMkLst>
-        </pc:graphicFrameChg>
-        <pc:graphicFrameChg chg="del">
-          <ac:chgData name="尾嵜 成真" userId="dd95f81a979e9056" providerId="LiveId" clId="{261289AE-FA7C-4CE5-8626-F461A71A7004}" dt="2023-01-12T09:01:21.720" v="343" actId="478"/>
-          <ac:graphicFrameMkLst>
-            <pc:docMk/>
-            <pc:sldMk cId="3198427016" sldId="306"/>
-            <ac:graphicFrameMk id="5" creationId="{BD37686A-DCE8-BE18-07EE-C87BAC7B8406}"/>
-          </ac:graphicFrameMkLst>
-        </pc:graphicFrameChg>
-        <pc:graphicFrameChg chg="add mod modGraphic">
-          <ac:chgData name="尾嵜 成真" userId="dd95f81a979e9056" providerId="LiveId" clId="{261289AE-FA7C-4CE5-8626-F461A71A7004}" dt="2023-01-12T09:09:15.379" v="467" actId="207"/>
-          <ac:graphicFrameMkLst>
-            <pc:docMk/>
-            <pc:sldMk cId="3198427016" sldId="306"/>
-            <ac:graphicFrameMk id="8" creationId="{9626AFB6-7AC3-028B-C620-47C13AB51FC8}"/>
-          </ac:graphicFrameMkLst>
-        </pc:graphicFrameChg>
-        <pc:graphicFrameChg chg="add mod modGraphic">
-          <ac:chgData name="尾嵜 成真" userId="dd95f81a979e9056" providerId="LiveId" clId="{261289AE-FA7C-4CE5-8626-F461A71A7004}" dt="2023-01-12T09:20:55.922" v="829" actId="207"/>
-          <ac:graphicFrameMkLst>
-            <pc:docMk/>
-            <pc:sldMk cId="3198427016" sldId="306"/>
-            <ac:graphicFrameMk id="9" creationId="{65F5991B-EDC6-B641-A61B-9A2FC96EF726}"/>
-          </ac:graphicFrameMkLst>
-        </pc:graphicFrameChg>
-      </pc:sldChg>
-      <pc:sldChg chg="modSp del mod">
-        <pc:chgData name="尾嵜 成真" userId="dd95f81a979e9056" providerId="LiveId" clId="{261289AE-FA7C-4CE5-8626-F461A71A7004}" dt="2023-01-12T09:09:24.486" v="469" actId="47"/>
-        <pc:sldMkLst>
-          <pc:docMk/>
-          <pc:sldMk cId="1778224841" sldId="394"/>
-        </pc:sldMkLst>
-        <pc:spChg chg="mod">
-          <ac:chgData name="尾嵜 成真" userId="dd95f81a979e9056" providerId="LiveId" clId="{261289AE-FA7C-4CE5-8626-F461A71A7004}" dt="2023-01-12T09:07:45.770" v="408" actId="21"/>
-          <ac:spMkLst>
-            <pc:docMk/>
-            <pc:sldMk cId="1778224841" sldId="394"/>
-            <ac:spMk id="10" creationId="{4C8D8093-D708-E46A-39FD-79BFCCF8875B}"/>
-          </ac:spMkLst>
-        </pc:spChg>
-      </pc:sldChg>
-      <pc:sldChg chg="del">
-        <pc:chgData name="尾嵜 成真" userId="dd95f81a979e9056" providerId="LiveId" clId="{261289AE-FA7C-4CE5-8626-F461A71A7004}" dt="2023-01-12T09:09:29.421" v="470" actId="47"/>
-        <pc:sldMkLst>
-          <pc:docMk/>
-          <pc:sldMk cId="1148648546" sldId="395"/>
-        </pc:sldMkLst>
-      </pc:sldChg>
-      <pc:sldChg chg="modSp mod">
-        <pc:chgData name="尾嵜 成真" userId="dd95f81a979e9056" providerId="LiveId" clId="{261289AE-FA7C-4CE5-8626-F461A71A7004}" dt="2023-01-13T14:55:51.024" v="1863" actId="113"/>
-        <pc:sldMkLst>
-          <pc:docMk/>
-          <pc:sldMk cId="1362757188" sldId="406"/>
-        </pc:sldMkLst>
-        <pc:spChg chg="mod">
-          <ac:chgData name="尾嵜 成真" userId="dd95f81a979e9056" providerId="LiveId" clId="{261289AE-FA7C-4CE5-8626-F461A71A7004}" dt="2023-01-13T14:55:51.024" v="1863" actId="113"/>
-          <ac:spMkLst>
-            <pc:docMk/>
-            <pc:sldMk cId="1362757188" sldId="406"/>
-            <ac:spMk id="10" creationId="{4C8D8093-D708-E46A-39FD-79BFCCF8875B}"/>
-          </ac:spMkLst>
-        </pc:spChg>
-        <pc:spChg chg="mod">
-          <ac:chgData name="尾嵜 成真" userId="dd95f81a979e9056" providerId="LiveId" clId="{261289AE-FA7C-4CE5-8626-F461A71A7004}" dt="2023-01-12T10:45:50.224" v="841"/>
-          <ac:spMkLst>
-            <pc:docMk/>
-            <pc:sldMk cId="1362757188" sldId="406"/>
-            <ac:spMk id="28" creationId="{B0F217A8-646C-15BA-6733-F4B0F1014565}"/>
-          </ac:spMkLst>
-        </pc:spChg>
-        <pc:spChg chg="mod">
-          <ac:chgData name="尾嵜 成真" userId="dd95f81a979e9056" providerId="LiveId" clId="{261289AE-FA7C-4CE5-8626-F461A71A7004}" dt="2023-01-12T11:59:21.447" v="846" actId="20577"/>
-          <ac:spMkLst>
-            <pc:docMk/>
-            <pc:sldMk cId="1362757188" sldId="406"/>
-            <ac:spMk id="29" creationId="{A17934AB-FCC8-3776-1635-6E61D9A7D43B}"/>
-          </ac:spMkLst>
-        </pc:spChg>
-      </pc:sldChg>
-      <pc:sldChg chg="addSp modSp mod">
-        <pc:chgData name="尾嵜 成真" userId="dd95f81a979e9056" providerId="LiveId" clId="{261289AE-FA7C-4CE5-8626-F461A71A7004}" dt="2023-01-13T15:12:35.878" v="1954" actId="20577"/>
-        <pc:sldMkLst>
-          <pc:docMk/>
-          <pc:sldMk cId="2298084990" sldId="407"/>
-        </pc:sldMkLst>
-        <pc:spChg chg="add mod">
-          <ac:chgData name="尾嵜 成真" userId="dd95f81a979e9056" providerId="LiveId" clId="{261289AE-FA7C-4CE5-8626-F461A71A7004}" dt="2023-01-12T09:21:29.856" v="834" actId="571"/>
-          <ac:spMkLst>
-            <pc:docMk/>
-            <pc:sldMk cId="2298084990" sldId="407"/>
-            <ac:spMk id="4" creationId="{DAF257A6-4FE3-D89C-E804-8196DE6CD591}"/>
-          </ac:spMkLst>
-        </pc:spChg>
-        <pc:spChg chg="mod">
-          <ac:chgData name="尾嵜 成真" userId="dd95f81a979e9056" providerId="LiveId" clId="{261289AE-FA7C-4CE5-8626-F461A71A7004}" dt="2023-01-13T15:12:35.878" v="1954" actId="20577"/>
-          <ac:spMkLst>
-            <pc:docMk/>
-            <pc:sldMk cId="2298084990" sldId="407"/>
-            <ac:spMk id="10" creationId="{4C8D8093-D708-E46A-39FD-79BFCCF8875B}"/>
-          </ac:spMkLst>
-        </pc:spChg>
-        <pc:graphicFrameChg chg="add mod modGraphic">
-          <ac:chgData name="尾嵜 成真" userId="dd95f81a979e9056" providerId="LiveId" clId="{261289AE-FA7C-4CE5-8626-F461A71A7004}" dt="2023-01-12T09:21:36.885" v="835" actId="1076"/>
-          <ac:graphicFrameMkLst>
-            <pc:docMk/>
-            <pc:sldMk cId="2298084990" sldId="407"/>
-            <ac:graphicFrameMk id="2" creationId="{85E29A6D-981C-5E51-58EE-A8431DB4FE15}"/>
-          </ac:graphicFrameMkLst>
-        </pc:graphicFrameChg>
-        <pc:graphicFrameChg chg="add mod modGraphic">
-          <ac:chgData name="尾嵜 成真" userId="dd95f81a979e9056" providerId="LiveId" clId="{261289AE-FA7C-4CE5-8626-F461A71A7004}" dt="2023-01-12T09:21:50.084" v="836" actId="1076"/>
-          <ac:graphicFrameMkLst>
-            <pc:docMk/>
-            <pc:sldMk cId="2298084990" sldId="407"/>
-            <ac:graphicFrameMk id="3" creationId="{B7EB18FC-B8B9-561C-BC53-10D207CB1AD5}"/>
-          </ac:graphicFrameMkLst>
-        </pc:graphicFrameChg>
-        <pc:graphicFrameChg chg="mod modGraphic">
-          <ac:chgData name="尾嵜 成真" userId="dd95f81a979e9056" providerId="LiveId" clId="{261289AE-FA7C-4CE5-8626-F461A71A7004}" dt="2023-01-12T09:21:36.885" v="835" actId="1076"/>
-          <ac:graphicFrameMkLst>
-            <pc:docMk/>
-            <pc:sldMk cId="2298084990" sldId="407"/>
-            <ac:graphicFrameMk id="5" creationId="{53A7FBB1-5148-FEED-E8A4-8AC9734A1E50}"/>
-          </ac:graphicFrameMkLst>
-        </pc:graphicFrameChg>
-      </pc:sldChg>
-      <pc:sldChg chg="del">
-        <pc:chgData name="尾嵜 成真" userId="dd95f81a979e9056" providerId="LiveId" clId="{261289AE-FA7C-4CE5-8626-F461A71A7004}" dt="2023-01-13T16:02:54.914" v="3337" actId="47"/>
-        <pc:sldMkLst>
-          <pc:docMk/>
-          <pc:sldMk cId="2680518299" sldId="408"/>
-        </pc:sldMkLst>
-      </pc:sldChg>
-      <pc:sldChg chg="addSp delSp modSp add del mod">
-        <pc:chgData name="尾嵜 成真" userId="dd95f81a979e9056" providerId="LiveId" clId="{261289AE-FA7C-4CE5-8626-F461A71A7004}" dt="2023-01-15T06:27:48.879" v="3347" actId="20577"/>
-        <pc:sldMkLst>
-          <pc:docMk/>
-          <pc:sldMk cId="3139867923" sldId="410"/>
-        </pc:sldMkLst>
-        <pc:spChg chg="add mod">
-          <ac:chgData name="尾嵜 成真" userId="dd95f81a979e9056" providerId="LiveId" clId="{261289AE-FA7C-4CE5-8626-F461A71A7004}" dt="2023-01-13T15:49:23.330" v="2783" actId="1076"/>
-          <ac:spMkLst>
-            <pc:docMk/>
-            <pc:sldMk cId="3139867923" sldId="410"/>
-            <ac:spMk id="4" creationId="{01C98059-1FD9-341C-9CDE-B94D516A55B9}"/>
-          </ac:spMkLst>
-        </pc:spChg>
-        <pc:spChg chg="add mod">
-          <ac:chgData name="尾嵜 成真" userId="dd95f81a979e9056" providerId="LiveId" clId="{261289AE-FA7C-4CE5-8626-F461A71A7004}" dt="2023-01-13T15:54:09.633" v="3016" actId="20577"/>
-          <ac:spMkLst>
-            <pc:docMk/>
-            <pc:sldMk cId="3139867923" sldId="410"/>
-            <ac:spMk id="6" creationId="{CC74BEC2-63B3-CE7D-362F-3D8173ED8827}"/>
-          </ac:spMkLst>
-        </pc:spChg>
-        <pc:spChg chg="add mod">
-          <ac:chgData name="尾嵜 成真" userId="dd95f81a979e9056" providerId="LiveId" clId="{261289AE-FA7C-4CE5-8626-F461A71A7004}" dt="2023-01-13T15:54:01.860" v="3015" actId="20577"/>
-          <ac:spMkLst>
-            <pc:docMk/>
-            <pc:sldMk cId="3139867923" sldId="410"/>
-            <ac:spMk id="8" creationId="{E7AC5E83-09A9-1C57-CACD-CD5B5AEDD7D1}"/>
-          </ac:spMkLst>
-        </pc:spChg>
-        <pc:spChg chg="mod">
-          <ac:chgData name="尾嵜 成真" userId="dd95f81a979e9056" providerId="LiveId" clId="{261289AE-FA7C-4CE5-8626-F461A71A7004}" dt="2023-01-15T06:27:48.879" v="3347" actId="20577"/>
-          <ac:spMkLst>
-            <pc:docMk/>
-            <pc:sldMk cId="3139867923" sldId="410"/>
-            <ac:spMk id="10" creationId="{4C8D8093-D708-E46A-39FD-79BFCCF8875B}"/>
-          </ac:spMkLst>
-        </pc:spChg>
-        <pc:spChg chg="add mod">
-          <ac:chgData name="尾嵜 成真" userId="dd95f81a979e9056" providerId="LiveId" clId="{261289AE-FA7C-4CE5-8626-F461A71A7004}" dt="2023-01-13T15:55:21.107" v="3089" actId="20577"/>
-          <ac:spMkLst>
-            <pc:docMk/>
-            <pc:sldMk cId="3139867923" sldId="410"/>
-            <ac:spMk id="11" creationId="{11902838-52F0-0B18-D782-F918FE39B7EB}"/>
-          </ac:spMkLst>
-        </pc:spChg>
-        <pc:spChg chg="mod">
-          <ac:chgData name="尾嵜 成真" userId="dd95f81a979e9056" providerId="LiveId" clId="{261289AE-FA7C-4CE5-8626-F461A71A7004}" dt="2023-01-13T15:41:14.398" v="2590"/>
-          <ac:spMkLst>
-            <pc:docMk/>
-            <pc:sldMk cId="3139867923" sldId="410"/>
-            <ac:spMk id="28" creationId="{B0F217A8-646C-15BA-6733-F4B0F1014565}"/>
-          </ac:spMkLst>
-        </pc:spChg>
-        <pc:spChg chg="mod">
-          <ac:chgData name="尾嵜 成真" userId="dd95f81a979e9056" providerId="LiveId" clId="{261289AE-FA7C-4CE5-8626-F461A71A7004}" dt="2023-01-13T15:41:17.328" v="2597"/>
-          <ac:spMkLst>
-            <pc:docMk/>
-            <pc:sldMk cId="3139867923" sldId="410"/>
-            <ac:spMk id="29" creationId="{A17934AB-FCC8-3776-1635-6E61D9A7D43B}"/>
-          </ac:spMkLst>
-        </pc:spChg>
-        <pc:spChg chg="del">
-          <ac:chgData name="尾嵜 成真" userId="dd95f81a979e9056" providerId="LiveId" clId="{261289AE-FA7C-4CE5-8626-F461A71A7004}" dt="2023-01-13T15:31:57.053" v="2554" actId="478"/>
-          <ac:spMkLst>
-            <pc:docMk/>
-            <pc:sldMk cId="3139867923" sldId="410"/>
-            <ac:spMk id="101" creationId="{83A8B892-D58C-F214-CC73-696A21A79939}"/>
-          </ac:spMkLst>
-        </pc:spChg>
-        <pc:spChg chg="del">
-          <ac:chgData name="尾嵜 成真" userId="dd95f81a979e9056" providerId="LiveId" clId="{261289AE-FA7C-4CE5-8626-F461A71A7004}" dt="2023-01-13T15:31:57.053" v="2554" actId="478"/>
-          <ac:spMkLst>
-            <pc:docMk/>
-            <pc:sldMk cId="3139867923" sldId="410"/>
-            <ac:spMk id="109" creationId="{EDA8A187-0998-43B3-54C9-2CADE2B043D4}"/>
-          </ac:spMkLst>
-        </pc:spChg>
-        <pc:spChg chg="del">
-          <ac:chgData name="尾嵜 成真" userId="dd95f81a979e9056" providerId="LiveId" clId="{261289AE-FA7C-4CE5-8626-F461A71A7004}" dt="2023-01-13T15:31:57.053" v="2554" actId="478"/>
-          <ac:spMkLst>
-            <pc:docMk/>
-            <pc:sldMk cId="3139867923" sldId="410"/>
-            <ac:spMk id="110" creationId="{2CFC3419-D60F-CB0D-FF84-B747B8D76E23}"/>
-          </ac:spMkLst>
-        </pc:spChg>
-        <pc:spChg chg="del">
-          <ac:chgData name="尾嵜 成真" userId="dd95f81a979e9056" providerId="LiveId" clId="{261289AE-FA7C-4CE5-8626-F461A71A7004}" dt="2023-01-13T15:31:57.053" v="2554" actId="478"/>
-          <ac:spMkLst>
-            <pc:docMk/>
-            <pc:sldMk cId="3139867923" sldId="410"/>
-            <ac:spMk id="111" creationId="{914AEE6C-0E7E-CB37-FE7A-B345D6A90E92}"/>
-          </ac:spMkLst>
-        </pc:spChg>
-        <pc:spChg chg="del">
-          <ac:chgData name="尾嵜 成真" userId="dd95f81a979e9056" providerId="LiveId" clId="{261289AE-FA7C-4CE5-8626-F461A71A7004}" dt="2023-01-13T15:31:57.053" v="2554" actId="478"/>
-          <ac:spMkLst>
-            <pc:docMk/>
-            <pc:sldMk cId="3139867923" sldId="410"/>
-            <ac:spMk id="124" creationId="{3F76A605-AD10-5810-F66F-05A802FABF68}"/>
-          </ac:spMkLst>
-        </pc:spChg>
-        <pc:spChg chg="del">
-          <ac:chgData name="尾嵜 成真" userId="dd95f81a979e9056" providerId="LiveId" clId="{261289AE-FA7C-4CE5-8626-F461A71A7004}" dt="2023-01-13T15:31:57.053" v="2554" actId="478"/>
-          <ac:spMkLst>
-            <pc:docMk/>
-            <pc:sldMk cId="3139867923" sldId="410"/>
-            <ac:spMk id="125" creationId="{E179C35C-E085-2F47-047A-B3A7FC0E2C92}"/>
-          </ac:spMkLst>
-        </pc:spChg>
-        <pc:picChg chg="add mod">
-          <ac:chgData name="尾嵜 成真" userId="dd95f81a979e9056" providerId="LiveId" clId="{261289AE-FA7C-4CE5-8626-F461A71A7004}" dt="2023-01-13T15:49:23.330" v="2783" actId="1076"/>
-          <ac:picMkLst>
-            <pc:docMk/>
-            <pc:sldMk cId="3139867923" sldId="410"/>
-            <ac:picMk id="3" creationId="{A222B41D-EC04-4D95-261B-1DED6A91DEB7}"/>
-          </ac:picMkLst>
-        </pc:picChg>
-        <pc:picChg chg="add mod">
-          <ac:chgData name="尾嵜 成真" userId="dd95f81a979e9056" providerId="LiveId" clId="{261289AE-FA7C-4CE5-8626-F461A71A7004}" dt="2023-01-13T15:50:58.801" v="2877" actId="1076"/>
-          <ac:picMkLst>
-            <pc:docMk/>
-            <pc:sldMk cId="3139867923" sldId="410"/>
-            <ac:picMk id="5" creationId="{597A3163-1D66-B87A-7919-96AC0BD3CF79}"/>
-          </ac:picMkLst>
-        </pc:picChg>
-        <pc:picChg chg="add mod">
-          <ac:chgData name="尾嵜 成真" userId="dd95f81a979e9056" providerId="LiveId" clId="{261289AE-FA7C-4CE5-8626-F461A71A7004}" dt="2023-01-13T15:53:30.057" v="2993" actId="1076"/>
-          <ac:picMkLst>
-            <pc:docMk/>
-            <pc:sldMk cId="3139867923" sldId="410"/>
-            <ac:picMk id="7" creationId="{C78760EB-6D48-CEE1-693D-1E9655C33BD9}"/>
-          </ac:picMkLst>
-        </pc:picChg>
-        <pc:picChg chg="add mod">
-          <ac:chgData name="尾嵜 成真" userId="dd95f81a979e9056" providerId="LiveId" clId="{261289AE-FA7C-4CE5-8626-F461A71A7004}" dt="2023-01-13T15:55:00.827" v="3074" actId="1076"/>
-          <ac:picMkLst>
-            <pc:docMk/>
-            <pc:sldMk cId="3139867923" sldId="410"/>
-            <ac:picMk id="9" creationId="{4D8AA87D-AF13-9CD8-7AEB-BD52341ECD24}"/>
-          </ac:picMkLst>
-        </pc:picChg>
-        <pc:picChg chg="del">
-          <ac:chgData name="尾嵜 成真" userId="dd95f81a979e9056" providerId="LiveId" clId="{261289AE-FA7C-4CE5-8626-F461A71A7004}" dt="2023-01-13T15:31:57.053" v="2554" actId="478"/>
-          <ac:picMkLst>
-            <pc:docMk/>
-            <pc:sldMk cId="3139867923" sldId="410"/>
-            <ac:picMk id="100" creationId="{0A02E126-E294-0FC2-6361-EBA70307C44C}"/>
-          </ac:picMkLst>
-        </pc:picChg>
-        <pc:picChg chg="del">
-          <ac:chgData name="尾嵜 成真" userId="dd95f81a979e9056" providerId="LiveId" clId="{261289AE-FA7C-4CE5-8626-F461A71A7004}" dt="2023-01-13T15:31:57.053" v="2554" actId="478"/>
-          <ac:picMkLst>
-            <pc:docMk/>
-            <pc:sldMk cId="3139867923" sldId="410"/>
-            <ac:picMk id="102" creationId="{1BA8F531-B3E1-2119-0925-BDB80F0E4459}"/>
-          </ac:picMkLst>
-        </pc:picChg>
-        <pc:picChg chg="del">
-          <ac:chgData name="尾嵜 成真" userId="dd95f81a979e9056" providerId="LiveId" clId="{261289AE-FA7C-4CE5-8626-F461A71A7004}" dt="2023-01-13T15:31:57.053" v="2554" actId="478"/>
-          <ac:picMkLst>
-            <pc:docMk/>
-            <pc:sldMk cId="3139867923" sldId="410"/>
-            <ac:picMk id="103" creationId="{82F268A2-8A07-5422-07CF-431A18381E3B}"/>
-          </ac:picMkLst>
-        </pc:picChg>
-        <pc:picChg chg="del">
-          <ac:chgData name="尾嵜 成真" userId="dd95f81a979e9056" providerId="LiveId" clId="{261289AE-FA7C-4CE5-8626-F461A71A7004}" dt="2023-01-13T15:31:57.053" v="2554" actId="478"/>
-          <ac:picMkLst>
-            <pc:docMk/>
-            <pc:sldMk cId="3139867923" sldId="410"/>
-            <ac:picMk id="104" creationId="{39AD31B7-7DC4-0F2B-BDFA-1020890911C3}"/>
-          </ac:picMkLst>
-        </pc:picChg>
-        <pc:picChg chg="del">
-          <ac:chgData name="尾嵜 成真" userId="dd95f81a979e9056" providerId="LiveId" clId="{261289AE-FA7C-4CE5-8626-F461A71A7004}" dt="2023-01-13T15:31:57.053" v="2554" actId="478"/>
-          <ac:picMkLst>
-            <pc:docMk/>
-            <pc:sldMk cId="3139867923" sldId="410"/>
-            <ac:picMk id="105" creationId="{A8291433-FF71-2251-F8B2-6A85C6B387C3}"/>
-          </ac:picMkLst>
-        </pc:picChg>
-        <pc:picChg chg="del">
-          <ac:chgData name="尾嵜 成真" userId="dd95f81a979e9056" providerId="LiveId" clId="{261289AE-FA7C-4CE5-8626-F461A71A7004}" dt="2023-01-13T15:31:57.053" v="2554" actId="478"/>
-          <ac:picMkLst>
-            <pc:docMk/>
-            <pc:sldMk cId="3139867923" sldId="410"/>
-            <ac:picMk id="112" creationId="{BF63A4D2-70AC-D7FF-CC83-A00A2AF6D775}"/>
-          </ac:picMkLst>
-        </pc:picChg>
-        <pc:picChg chg="del">
-          <ac:chgData name="尾嵜 成真" userId="dd95f81a979e9056" providerId="LiveId" clId="{261289AE-FA7C-4CE5-8626-F461A71A7004}" dt="2023-01-13T15:31:57.053" v="2554" actId="478"/>
-          <ac:picMkLst>
-            <pc:docMk/>
-            <pc:sldMk cId="3139867923" sldId="410"/>
-            <ac:picMk id="113" creationId="{AB232B70-D12C-4A94-C4EA-C0D42481C341}"/>
-          </ac:picMkLst>
-        </pc:picChg>
-        <pc:picChg chg="del">
-          <ac:chgData name="尾嵜 成真" userId="dd95f81a979e9056" providerId="LiveId" clId="{261289AE-FA7C-4CE5-8626-F461A71A7004}" dt="2023-01-13T15:31:57.053" v="2554" actId="478"/>
-          <ac:picMkLst>
-            <pc:docMk/>
-            <pc:sldMk cId="3139867923" sldId="410"/>
-            <ac:picMk id="114" creationId="{882C1337-2934-157D-73AF-C1AA6DA0332C}"/>
-          </ac:picMkLst>
-        </pc:picChg>
-        <pc:picChg chg="del">
-          <ac:chgData name="尾嵜 成真" userId="dd95f81a979e9056" providerId="LiveId" clId="{261289AE-FA7C-4CE5-8626-F461A71A7004}" dt="2023-01-13T15:31:57.053" v="2554" actId="478"/>
-          <ac:picMkLst>
-            <pc:docMk/>
-            <pc:sldMk cId="3139867923" sldId="410"/>
-            <ac:picMk id="115" creationId="{09DF699D-7513-818D-8A2F-3B6320E917BC}"/>
-          </ac:picMkLst>
-        </pc:picChg>
-        <pc:picChg chg="del">
-          <ac:chgData name="尾嵜 成真" userId="dd95f81a979e9056" providerId="LiveId" clId="{261289AE-FA7C-4CE5-8626-F461A71A7004}" dt="2023-01-13T15:31:57.053" v="2554" actId="478"/>
-          <ac:picMkLst>
-            <pc:docMk/>
-            <pc:sldMk cId="3139867923" sldId="410"/>
-            <ac:picMk id="116" creationId="{8359B24D-F8F7-B77F-4806-CE4CD3670AF3}"/>
-          </ac:picMkLst>
-        </pc:picChg>
-        <pc:picChg chg="del">
-          <ac:chgData name="尾嵜 成真" userId="dd95f81a979e9056" providerId="LiveId" clId="{261289AE-FA7C-4CE5-8626-F461A71A7004}" dt="2023-01-13T15:31:57.053" v="2554" actId="478"/>
-          <ac:picMkLst>
-            <pc:docMk/>
-            <pc:sldMk cId="3139867923" sldId="410"/>
-            <ac:picMk id="117" creationId="{26DE2BEC-6FCC-FB0A-2F19-E08184929CEC}"/>
-          </ac:picMkLst>
-        </pc:picChg>
-        <pc:cxnChg chg="del mod">
-          <ac:chgData name="尾嵜 成真" userId="dd95f81a979e9056" providerId="LiveId" clId="{261289AE-FA7C-4CE5-8626-F461A71A7004}" dt="2023-01-13T15:31:57.053" v="2554" actId="478"/>
-          <ac:cxnSpMkLst>
-            <pc:docMk/>
-            <pc:sldMk cId="3139867923" sldId="410"/>
-            <ac:cxnSpMk id="106" creationId="{91A6949D-D1A0-192D-A852-9A3E52C8E592}"/>
-          </ac:cxnSpMkLst>
-        </pc:cxnChg>
-        <pc:cxnChg chg="del mod">
-          <ac:chgData name="尾嵜 成真" userId="dd95f81a979e9056" providerId="LiveId" clId="{261289AE-FA7C-4CE5-8626-F461A71A7004}" dt="2023-01-13T15:31:57.053" v="2554" actId="478"/>
-          <ac:cxnSpMkLst>
-            <pc:docMk/>
-            <pc:sldMk cId="3139867923" sldId="410"/>
-            <ac:cxnSpMk id="107" creationId="{494B561B-5428-AB60-E95C-65D9EC103032}"/>
-          </ac:cxnSpMkLst>
-        </pc:cxnChg>
-        <pc:cxnChg chg="del mod">
-          <ac:chgData name="尾嵜 成真" userId="dd95f81a979e9056" providerId="LiveId" clId="{261289AE-FA7C-4CE5-8626-F461A71A7004}" dt="2023-01-13T15:31:57.053" v="2554" actId="478"/>
-          <ac:cxnSpMkLst>
-            <pc:docMk/>
-            <pc:sldMk cId="3139867923" sldId="410"/>
-            <ac:cxnSpMk id="108" creationId="{14A39E33-55B1-FD2B-2EE9-51797A5E5EBC}"/>
-          </ac:cxnSpMkLst>
-        </pc:cxnChg>
-        <pc:cxnChg chg="del mod">
-          <ac:chgData name="尾嵜 成真" userId="dd95f81a979e9056" providerId="LiveId" clId="{261289AE-FA7C-4CE5-8626-F461A71A7004}" dt="2023-01-13T15:31:57.053" v="2554" actId="478"/>
-          <ac:cxnSpMkLst>
-            <pc:docMk/>
-            <pc:sldMk cId="3139867923" sldId="410"/>
-            <ac:cxnSpMk id="118" creationId="{27AA0824-F5DD-1921-C221-868D58E2B98E}"/>
-          </ac:cxnSpMkLst>
-        </pc:cxnChg>
-        <pc:cxnChg chg="del mod">
-          <ac:chgData name="尾嵜 成真" userId="dd95f81a979e9056" providerId="LiveId" clId="{261289AE-FA7C-4CE5-8626-F461A71A7004}" dt="2023-01-13T15:31:57.053" v="2554" actId="478"/>
-          <ac:cxnSpMkLst>
-            <pc:docMk/>
-            <pc:sldMk cId="3139867923" sldId="410"/>
-            <ac:cxnSpMk id="119" creationId="{130011E1-473B-6BFA-838F-5B368B13F642}"/>
-          </ac:cxnSpMkLst>
-        </pc:cxnChg>
-        <pc:cxnChg chg="del mod">
-          <ac:chgData name="尾嵜 成真" userId="dd95f81a979e9056" providerId="LiveId" clId="{261289AE-FA7C-4CE5-8626-F461A71A7004}" dt="2023-01-13T15:31:57.053" v="2554" actId="478"/>
-          <ac:cxnSpMkLst>
-            <pc:docMk/>
-            <pc:sldMk cId="3139867923" sldId="410"/>
-            <ac:cxnSpMk id="120" creationId="{311DE159-5153-490B-2A15-8C6E241C90D8}"/>
-          </ac:cxnSpMkLst>
-        </pc:cxnChg>
-        <pc:cxnChg chg="del mod">
-          <ac:chgData name="尾嵜 成真" userId="dd95f81a979e9056" providerId="LiveId" clId="{261289AE-FA7C-4CE5-8626-F461A71A7004}" dt="2023-01-13T15:31:57.053" v="2554" actId="478"/>
-          <ac:cxnSpMkLst>
-            <pc:docMk/>
-            <pc:sldMk cId="3139867923" sldId="410"/>
-            <ac:cxnSpMk id="121" creationId="{748CE440-DC84-6AA8-E120-CD809491F765}"/>
-          </ac:cxnSpMkLst>
-        </pc:cxnChg>
-        <pc:cxnChg chg="del mod">
-          <ac:chgData name="尾嵜 成真" userId="dd95f81a979e9056" providerId="LiveId" clId="{261289AE-FA7C-4CE5-8626-F461A71A7004}" dt="2023-01-13T15:31:57.053" v="2554" actId="478"/>
-          <ac:cxnSpMkLst>
-            <pc:docMk/>
-            <pc:sldMk cId="3139867923" sldId="410"/>
-            <ac:cxnSpMk id="122" creationId="{3F4ABB59-BC35-5804-A138-E5E194E1E335}"/>
-          </ac:cxnSpMkLst>
-        </pc:cxnChg>
-        <pc:cxnChg chg="del mod">
-          <ac:chgData name="尾嵜 成真" userId="dd95f81a979e9056" providerId="LiveId" clId="{261289AE-FA7C-4CE5-8626-F461A71A7004}" dt="2023-01-13T15:31:57.053" v="2554" actId="478"/>
-          <ac:cxnSpMkLst>
-            <pc:docMk/>
-            <pc:sldMk cId="3139867923" sldId="410"/>
-            <ac:cxnSpMk id="123" creationId="{6441C048-4807-FF38-CDF6-C7FE2FAB7950}"/>
-          </ac:cxnSpMkLst>
-        </pc:cxnChg>
-      </pc:sldChg>
-      <pc:sldChg chg="del">
-        <pc:chgData name="尾嵜 成真" userId="dd95f81a979e9056" providerId="LiveId" clId="{261289AE-FA7C-4CE5-8626-F461A71A7004}" dt="2023-01-13T16:02:55.754" v="3338" actId="47"/>
-        <pc:sldMkLst>
-          <pc:docMk/>
-          <pc:sldMk cId="3565108647" sldId="411"/>
-        </pc:sldMkLst>
-      </pc:sldChg>
-      <pc:sldChg chg="del">
-        <pc:chgData name="尾嵜 成真" userId="dd95f81a979e9056" providerId="LiveId" clId="{261289AE-FA7C-4CE5-8626-F461A71A7004}" dt="2023-01-13T16:02:56.457" v="3339" actId="47"/>
-        <pc:sldMkLst>
-          <pc:docMk/>
-          <pc:sldMk cId="2948967432" sldId="412"/>
-        </pc:sldMkLst>
-      </pc:sldChg>
-      <pc:sldChg chg="del">
-        <pc:chgData name="尾嵜 成真" userId="dd95f81a979e9056" providerId="LiveId" clId="{261289AE-FA7C-4CE5-8626-F461A71A7004}" dt="2023-01-13T16:02:56.691" v="3340" actId="47"/>
-        <pc:sldMkLst>
-          <pc:docMk/>
-          <pc:sldMk cId="3553905273" sldId="415"/>
-        </pc:sldMkLst>
-      </pc:sldChg>
-      <pc:sldChg chg="del">
-        <pc:chgData name="尾嵜 成真" userId="dd95f81a979e9056" providerId="LiveId" clId="{261289AE-FA7C-4CE5-8626-F461A71A7004}" dt="2023-01-13T16:02:56.910" v="3341" actId="47"/>
-        <pc:sldMkLst>
-          <pc:docMk/>
-          <pc:sldMk cId="305311975" sldId="416"/>
-        </pc:sldMkLst>
-      </pc:sldChg>
-      <pc:sldChg chg="del">
-        <pc:chgData name="尾嵜 成真" userId="dd95f81a979e9056" providerId="LiveId" clId="{261289AE-FA7C-4CE5-8626-F461A71A7004}" dt="2023-01-13T16:02:57.128" v="3342" actId="47"/>
-        <pc:sldMkLst>
-          <pc:docMk/>
-          <pc:sldMk cId="343408756" sldId="417"/>
-        </pc:sldMkLst>
-      </pc:sldChg>
-      <pc:sldChg chg="delSp modSp add mod ord">
-        <pc:chgData name="尾嵜 成真" userId="dd95f81a979e9056" providerId="LiveId" clId="{261289AE-FA7C-4CE5-8626-F461A71A7004}" dt="2023-01-13T15:31:30.584" v="2553" actId="20577"/>
-        <pc:sldMkLst>
-          <pc:docMk/>
-          <pc:sldMk cId="1930483195" sldId="418"/>
-        </pc:sldMkLst>
-        <pc:spChg chg="mod">
-          <ac:chgData name="尾嵜 成真" userId="dd95f81a979e9056" providerId="LiveId" clId="{261289AE-FA7C-4CE5-8626-F461A71A7004}" dt="2023-01-13T15:31:30.584" v="2553" actId="20577"/>
-          <ac:spMkLst>
-            <pc:docMk/>
-            <pc:sldMk cId="1930483195" sldId="418"/>
-            <ac:spMk id="10" creationId="{4C8D8093-D708-E46A-39FD-79BFCCF8875B}"/>
-          </ac:spMkLst>
-        </pc:spChg>
-        <pc:spChg chg="mod">
-          <ac:chgData name="尾嵜 成真" userId="dd95f81a979e9056" providerId="LiveId" clId="{261289AE-FA7C-4CE5-8626-F461A71A7004}" dt="2023-01-13T15:12:25.647" v="1950"/>
-          <ac:spMkLst>
-            <pc:docMk/>
-            <pc:sldMk cId="1930483195" sldId="418"/>
-            <ac:spMk id="28" creationId="{B0F217A8-646C-15BA-6733-F4B0F1014565}"/>
-          </ac:spMkLst>
-        </pc:spChg>
-        <pc:spChg chg="mod">
-          <ac:chgData name="尾嵜 成真" userId="dd95f81a979e9056" providerId="LiveId" clId="{261289AE-FA7C-4CE5-8626-F461A71A7004}" dt="2023-01-13T15:12:25.647" v="1950"/>
-          <ac:spMkLst>
-            <pc:docMk/>
-            <pc:sldMk cId="1930483195" sldId="418"/>
-            <ac:spMk id="29" creationId="{A17934AB-FCC8-3776-1635-6E61D9A7D43B}"/>
-          </ac:spMkLst>
-        </pc:spChg>
-        <pc:spChg chg="del">
-          <ac:chgData name="尾嵜 成真" userId="dd95f81a979e9056" providerId="LiveId" clId="{261289AE-FA7C-4CE5-8626-F461A71A7004}" dt="2023-01-13T10:11:24.838" v="1269" actId="478"/>
-          <ac:spMkLst>
-            <pc:docMk/>
-            <pc:sldMk cId="1930483195" sldId="418"/>
-            <ac:spMk id="101" creationId="{83A8B892-D58C-F214-CC73-696A21A79939}"/>
-          </ac:spMkLst>
-        </pc:spChg>
-        <pc:spChg chg="del">
-          <ac:chgData name="尾嵜 成真" userId="dd95f81a979e9056" providerId="LiveId" clId="{261289AE-FA7C-4CE5-8626-F461A71A7004}" dt="2023-01-13T10:11:24.838" v="1269" actId="478"/>
-          <ac:spMkLst>
-            <pc:docMk/>
-            <pc:sldMk cId="1930483195" sldId="418"/>
-            <ac:spMk id="109" creationId="{EDA8A187-0998-43B3-54C9-2CADE2B043D4}"/>
-          </ac:spMkLst>
-        </pc:spChg>
-        <pc:spChg chg="del">
-          <ac:chgData name="尾嵜 成真" userId="dd95f81a979e9056" providerId="LiveId" clId="{261289AE-FA7C-4CE5-8626-F461A71A7004}" dt="2023-01-13T10:11:24.838" v="1269" actId="478"/>
-          <ac:spMkLst>
-            <pc:docMk/>
-            <pc:sldMk cId="1930483195" sldId="418"/>
-            <ac:spMk id="110" creationId="{2CFC3419-D60F-CB0D-FF84-B747B8D76E23}"/>
-          </ac:spMkLst>
-        </pc:spChg>
-        <pc:spChg chg="del">
-          <ac:chgData name="尾嵜 成真" userId="dd95f81a979e9056" providerId="LiveId" clId="{261289AE-FA7C-4CE5-8626-F461A71A7004}" dt="2023-01-13T10:11:24.838" v="1269" actId="478"/>
-          <ac:spMkLst>
-            <pc:docMk/>
-            <pc:sldMk cId="1930483195" sldId="418"/>
-            <ac:spMk id="111" creationId="{914AEE6C-0E7E-CB37-FE7A-B345D6A90E92}"/>
-          </ac:spMkLst>
-        </pc:spChg>
-        <pc:spChg chg="del">
-          <ac:chgData name="尾嵜 成真" userId="dd95f81a979e9056" providerId="LiveId" clId="{261289AE-FA7C-4CE5-8626-F461A71A7004}" dt="2023-01-13T10:11:24.838" v="1269" actId="478"/>
-          <ac:spMkLst>
-            <pc:docMk/>
-            <pc:sldMk cId="1930483195" sldId="418"/>
-            <ac:spMk id="124" creationId="{3F76A605-AD10-5810-F66F-05A802FABF68}"/>
-          </ac:spMkLst>
-        </pc:spChg>
-        <pc:spChg chg="del">
-          <ac:chgData name="尾嵜 成真" userId="dd95f81a979e9056" providerId="LiveId" clId="{261289AE-FA7C-4CE5-8626-F461A71A7004}" dt="2023-01-13T10:11:24.838" v="1269" actId="478"/>
-          <ac:spMkLst>
-            <pc:docMk/>
-            <pc:sldMk cId="1930483195" sldId="418"/>
-            <ac:spMk id="125" creationId="{E179C35C-E085-2F47-047A-B3A7FC0E2C92}"/>
-          </ac:spMkLst>
-        </pc:spChg>
-        <pc:picChg chg="del">
-          <ac:chgData name="尾嵜 成真" userId="dd95f81a979e9056" providerId="LiveId" clId="{261289AE-FA7C-4CE5-8626-F461A71A7004}" dt="2023-01-13T10:11:24.838" v="1269" actId="478"/>
-          <ac:picMkLst>
-            <pc:docMk/>
-            <pc:sldMk cId="1930483195" sldId="418"/>
-            <ac:picMk id="100" creationId="{0A02E126-E294-0FC2-6361-EBA70307C44C}"/>
-          </ac:picMkLst>
-        </pc:picChg>
-        <pc:picChg chg="del">
-          <ac:chgData name="尾嵜 成真" userId="dd95f81a979e9056" providerId="LiveId" clId="{261289AE-FA7C-4CE5-8626-F461A71A7004}" dt="2023-01-13T10:11:24.838" v="1269" actId="478"/>
-          <ac:picMkLst>
-            <pc:docMk/>
-            <pc:sldMk cId="1930483195" sldId="418"/>
-            <ac:picMk id="102" creationId="{1BA8F531-B3E1-2119-0925-BDB80F0E4459}"/>
-          </ac:picMkLst>
-        </pc:picChg>
-        <pc:picChg chg="del">
-          <ac:chgData name="尾嵜 成真" userId="dd95f81a979e9056" providerId="LiveId" clId="{261289AE-FA7C-4CE5-8626-F461A71A7004}" dt="2023-01-13T10:11:24.838" v="1269" actId="478"/>
-          <ac:picMkLst>
-            <pc:docMk/>
-            <pc:sldMk cId="1930483195" sldId="418"/>
-            <ac:picMk id="103" creationId="{82F268A2-8A07-5422-07CF-431A18381E3B}"/>
-          </ac:picMkLst>
-        </pc:picChg>
-        <pc:picChg chg="del">
-          <ac:chgData name="尾嵜 成真" userId="dd95f81a979e9056" providerId="LiveId" clId="{261289AE-FA7C-4CE5-8626-F461A71A7004}" dt="2023-01-13T10:11:24.838" v="1269" actId="478"/>
-          <ac:picMkLst>
-            <pc:docMk/>
-            <pc:sldMk cId="1930483195" sldId="418"/>
-            <ac:picMk id="104" creationId="{39AD31B7-7DC4-0F2B-BDFA-1020890911C3}"/>
-          </ac:picMkLst>
-        </pc:picChg>
-        <pc:picChg chg="del">
-          <ac:chgData name="尾嵜 成真" userId="dd95f81a979e9056" providerId="LiveId" clId="{261289AE-FA7C-4CE5-8626-F461A71A7004}" dt="2023-01-13T10:11:24.838" v="1269" actId="478"/>
-          <ac:picMkLst>
-            <pc:docMk/>
-            <pc:sldMk cId="1930483195" sldId="418"/>
-            <ac:picMk id="105" creationId="{A8291433-FF71-2251-F8B2-6A85C6B387C3}"/>
-          </ac:picMkLst>
-        </pc:picChg>
-        <pc:picChg chg="del">
-          <ac:chgData name="尾嵜 成真" userId="dd95f81a979e9056" providerId="LiveId" clId="{261289AE-FA7C-4CE5-8626-F461A71A7004}" dt="2023-01-13T10:11:24.838" v="1269" actId="478"/>
-          <ac:picMkLst>
-            <pc:docMk/>
-            <pc:sldMk cId="1930483195" sldId="418"/>
-            <ac:picMk id="112" creationId="{BF63A4D2-70AC-D7FF-CC83-A00A2AF6D775}"/>
-          </ac:picMkLst>
-        </pc:picChg>
-        <pc:picChg chg="del">
-          <ac:chgData name="尾嵜 成真" userId="dd95f81a979e9056" providerId="LiveId" clId="{261289AE-FA7C-4CE5-8626-F461A71A7004}" dt="2023-01-13T10:11:24.838" v="1269" actId="478"/>
-          <ac:picMkLst>
-            <pc:docMk/>
-            <pc:sldMk cId="1930483195" sldId="418"/>
-            <ac:picMk id="113" creationId="{AB232B70-D12C-4A94-C4EA-C0D42481C341}"/>
-          </ac:picMkLst>
-        </pc:picChg>
-        <pc:picChg chg="del">
-          <ac:chgData name="尾嵜 成真" userId="dd95f81a979e9056" providerId="LiveId" clId="{261289AE-FA7C-4CE5-8626-F461A71A7004}" dt="2023-01-13T10:11:24.838" v="1269" actId="478"/>
-          <ac:picMkLst>
-            <pc:docMk/>
-            <pc:sldMk cId="1930483195" sldId="418"/>
-            <ac:picMk id="114" creationId="{882C1337-2934-157D-73AF-C1AA6DA0332C}"/>
-          </ac:picMkLst>
-        </pc:picChg>
-        <pc:picChg chg="del">
-          <ac:chgData name="尾嵜 成真" userId="dd95f81a979e9056" providerId="LiveId" clId="{261289AE-FA7C-4CE5-8626-F461A71A7004}" dt="2023-01-13T10:11:24.838" v="1269" actId="478"/>
-          <ac:picMkLst>
-            <pc:docMk/>
-            <pc:sldMk cId="1930483195" sldId="418"/>
-            <ac:picMk id="115" creationId="{09DF699D-7513-818D-8A2F-3B6320E917BC}"/>
-          </ac:picMkLst>
-        </pc:picChg>
-        <pc:picChg chg="del">
-          <ac:chgData name="尾嵜 成真" userId="dd95f81a979e9056" providerId="LiveId" clId="{261289AE-FA7C-4CE5-8626-F461A71A7004}" dt="2023-01-13T10:11:24.838" v="1269" actId="478"/>
-          <ac:picMkLst>
-            <pc:docMk/>
-            <pc:sldMk cId="1930483195" sldId="418"/>
-            <ac:picMk id="116" creationId="{8359B24D-F8F7-B77F-4806-CE4CD3670AF3}"/>
-          </ac:picMkLst>
-        </pc:picChg>
-        <pc:picChg chg="del">
-          <ac:chgData name="尾嵜 成真" userId="dd95f81a979e9056" providerId="LiveId" clId="{261289AE-FA7C-4CE5-8626-F461A71A7004}" dt="2023-01-13T10:11:24.838" v="1269" actId="478"/>
-          <ac:picMkLst>
-            <pc:docMk/>
-            <pc:sldMk cId="1930483195" sldId="418"/>
-            <ac:picMk id="117" creationId="{26DE2BEC-6FCC-FB0A-2F19-E08184929CEC}"/>
-          </ac:picMkLst>
-        </pc:picChg>
-        <pc:cxnChg chg="del mod">
-          <ac:chgData name="尾嵜 成真" userId="dd95f81a979e9056" providerId="LiveId" clId="{261289AE-FA7C-4CE5-8626-F461A71A7004}" dt="2023-01-13T10:11:24.838" v="1269" actId="478"/>
-          <ac:cxnSpMkLst>
-            <pc:docMk/>
-            <pc:sldMk cId="1930483195" sldId="418"/>
-            <ac:cxnSpMk id="106" creationId="{91A6949D-D1A0-192D-A852-9A3E52C8E592}"/>
-          </ac:cxnSpMkLst>
-        </pc:cxnChg>
-        <pc:cxnChg chg="del mod">
-          <ac:chgData name="尾嵜 成真" userId="dd95f81a979e9056" providerId="LiveId" clId="{261289AE-FA7C-4CE5-8626-F461A71A7004}" dt="2023-01-13T10:11:24.838" v="1269" actId="478"/>
-          <ac:cxnSpMkLst>
-            <pc:docMk/>
-            <pc:sldMk cId="1930483195" sldId="418"/>
-            <ac:cxnSpMk id="107" creationId="{494B561B-5428-AB60-E95C-65D9EC103032}"/>
-          </ac:cxnSpMkLst>
-        </pc:cxnChg>
-        <pc:cxnChg chg="del mod">
-          <ac:chgData name="尾嵜 成真" userId="dd95f81a979e9056" providerId="LiveId" clId="{261289AE-FA7C-4CE5-8626-F461A71A7004}" dt="2023-01-13T10:11:24.838" v="1269" actId="478"/>
-          <ac:cxnSpMkLst>
-            <pc:docMk/>
-            <pc:sldMk cId="1930483195" sldId="418"/>
-            <ac:cxnSpMk id="108" creationId="{14A39E33-55B1-FD2B-2EE9-51797A5E5EBC}"/>
-          </ac:cxnSpMkLst>
-        </pc:cxnChg>
-        <pc:cxnChg chg="del mod">
-          <ac:chgData name="尾嵜 成真" userId="dd95f81a979e9056" providerId="LiveId" clId="{261289AE-FA7C-4CE5-8626-F461A71A7004}" dt="2023-01-13T10:11:24.838" v="1269" actId="478"/>
-          <ac:cxnSpMkLst>
-            <pc:docMk/>
-            <pc:sldMk cId="1930483195" sldId="418"/>
-            <ac:cxnSpMk id="118" creationId="{27AA0824-F5DD-1921-C221-868D58E2B98E}"/>
-          </ac:cxnSpMkLst>
-        </pc:cxnChg>
-        <pc:cxnChg chg="del mod">
-          <ac:chgData name="尾嵜 成真" userId="dd95f81a979e9056" providerId="LiveId" clId="{261289AE-FA7C-4CE5-8626-F461A71A7004}" dt="2023-01-13T10:11:24.838" v="1269" actId="478"/>
-          <ac:cxnSpMkLst>
-            <pc:docMk/>
-            <pc:sldMk cId="1930483195" sldId="418"/>
-            <ac:cxnSpMk id="119" creationId="{130011E1-473B-6BFA-838F-5B368B13F642}"/>
-          </ac:cxnSpMkLst>
-        </pc:cxnChg>
-        <pc:cxnChg chg="del mod">
-          <ac:chgData name="尾嵜 成真" userId="dd95f81a979e9056" providerId="LiveId" clId="{261289AE-FA7C-4CE5-8626-F461A71A7004}" dt="2023-01-13T10:11:24.838" v="1269" actId="478"/>
-          <ac:cxnSpMkLst>
-            <pc:docMk/>
-            <pc:sldMk cId="1930483195" sldId="418"/>
-            <ac:cxnSpMk id="120" creationId="{311DE159-5153-490B-2A15-8C6E241C90D8}"/>
-          </ac:cxnSpMkLst>
-        </pc:cxnChg>
-        <pc:cxnChg chg="del mod">
-          <ac:chgData name="尾嵜 成真" userId="dd95f81a979e9056" providerId="LiveId" clId="{261289AE-FA7C-4CE5-8626-F461A71A7004}" dt="2023-01-13T10:11:24.838" v="1269" actId="478"/>
-          <ac:cxnSpMkLst>
-            <pc:docMk/>
-            <pc:sldMk cId="1930483195" sldId="418"/>
-            <ac:cxnSpMk id="121" creationId="{748CE440-DC84-6AA8-E120-CD809491F765}"/>
-          </ac:cxnSpMkLst>
-        </pc:cxnChg>
-        <pc:cxnChg chg="del mod">
-          <ac:chgData name="尾嵜 成真" userId="dd95f81a979e9056" providerId="LiveId" clId="{261289AE-FA7C-4CE5-8626-F461A71A7004}" dt="2023-01-13T10:11:24.838" v="1269" actId="478"/>
-          <ac:cxnSpMkLst>
-            <pc:docMk/>
-            <pc:sldMk cId="1930483195" sldId="418"/>
-            <ac:cxnSpMk id="122" creationId="{3F4ABB59-BC35-5804-A138-E5E194E1E335}"/>
-          </ac:cxnSpMkLst>
-        </pc:cxnChg>
-        <pc:cxnChg chg="del mod">
-          <ac:chgData name="尾嵜 成真" userId="dd95f81a979e9056" providerId="LiveId" clId="{261289AE-FA7C-4CE5-8626-F461A71A7004}" dt="2023-01-13T10:11:24.838" v="1269" actId="478"/>
-          <ac:cxnSpMkLst>
-            <pc:docMk/>
-            <pc:sldMk cId="1930483195" sldId="418"/>
-            <ac:cxnSpMk id="123" creationId="{6441C048-4807-FF38-CDF6-C7FE2FAB7950}"/>
-          </ac:cxnSpMkLst>
-        </pc:cxnChg>
-      </pc:sldChg>
-      <pc:sldChg chg="new del">
-        <pc:chgData name="尾嵜 成真" userId="dd95f81a979e9056" providerId="LiveId" clId="{261289AE-FA7C-4CE5-8626-F461A71A7004}" dt="2023-01-15T06:29:33.809" v="3416" actId="47"/>
-        <pc:sldMkLst>
-          <pc:docMk/>
-          <pc:sldMk cId="3108966437" sldId="419"/>
-        </pc:sldMkLst>
-      </pc:sldChg>
-      <pc:sldChg chg="new del">
-        <pc:chgData name="尾嵜 成真" userId="dd95f81a979e9056" providerId="LiveId" clId="{261289AE-FA7C-4CE5-8626-F461A71A7004}" dt="2023-01-15T06:29:34.043" v="3417" actId="47"/>
-        <pc:sldMkLst>
-          <pc:docMk/>
-          <pc:sldMk cId="4134926211" sldId="420"/>
-        </pc:sldMkLst>
-      </pc:sldChg>
-      <pc:sldChg chg="new del">
-        <pc:chgData name="尾嵜 成真" userId="dd95f81a979e9056" providerId="LiveId" clId="{261289AE-FA7C-4CE5-8626-F461A71A7004}" dt="2023-01-15T06:29:34.950" v="3418" actId="47"/>
-        <pc:sldMkLst>
-          <pc:docMk/>
-          <pc:sldMk cId="2935844502" sldId="421"/>
-        </pc:sldMkLst>
-      </pc:sldChg>
-      <pc:sldChg chg="new del">
-        <pc:chgData name="尾嵜 成真" userId="dd95f81a979e9056" providerId="LiveId" clId="{261289AE-FA7C-4CE5-8626-F461A71A7004}" dt="2023-01-15T06:29:35.371" v="3419" actId="47"/>
-        <pc:sldMkLst>
-          <pc:docMk/>
-          <pc:sldMk cId="3447549296" sldId="422"/>
-        </pc:sldMkLst>
-      </pc:sldChg>
-      <pc:sldChg chg="new del">
-        <pc:chgData name="尾嵜 成真" userId="dd95f81a979e9056" providerId="LiveId" clId="{261289AE-FA7C-4CE5-8626-F461A71A7004}" dt="2023-01-15T06:29:35.778" v="3420" actId="47"/>
-        <pc:sldMkLst>
-          <pc:docMk/>
-          <pc:sldMk cId="3787148432" sldId="423"/>
-        </pc:sldMkLst>
-      </pc:sldChg>
-      <pc:sldChg chg="new del">
-        <pc:chgData name="尾嵜 成真" userId="dd95f81a979e9056" providerId="LiveId" clId="{261289AE-FA7C-4CE5-8626-F461A71A7004}" dt="2023-01-15T06:29:36.184" v="3421" actId="47"/>
-        <pc:sldMkLst>
-          <pc:docMk/>
-          <pc:sldMk cId="2233472898" sldId="424"/>
-        </pc:sldMkLst>
-      </pc:sldChg>
-      <pc:sldChg chg="new del">
-        <pc:chgData name="尾嵜 成真" userId="dd95f81a979e9056" providerId="LiveId" clId="{261289AE-FA7C-4CE5-8626-F461A71A7004}" dt="2023-01-15T06:29:36.668" v="3422" actId="47"/>
-        <pc:sldMkLst>
-          <pc:docMk/>
-          <pc:sldMk cId="1589406591" sldId="425"/>
-        </pc:sldMkLst>
-      </pc:sldChg>
-      <pc:sldChg chg="new del">
-        <pc:chgData name="尾嵜 成真" userId="dd95f81a979e9056" providerId="LiveId" clId="{261289AE-FA7C-4CE5-8626-F461A71A7004}" dt="2023-01-15T06:29:37.184" v="3423" actId="47"/>
-        <pc:sldMkLst>
-          <pc:docMk/>
-          <pc:sldMk cId="1295600855" sldId="426"/>
-        </pc:sldMkLst>
-      </pc:sldChg>
-      <pc:sldChg chg="new del">
-        <pc:chgData name="尾嵜 成真" userId="dd95f81a979e9056" providerId="LiveId" clId="{261289AE-FA7C-4CE5-8626-F461A71A7004}" dt="2023-01-15T06:29:37.605" v="3424" actId="47"/>
-        <pc:sldMkLst>
-          <pc:docMk/>
-          <pc:sldMk cId="2376717919" sldId="427"/>
-        </pc:sldMkLst>
-      </pc:sldChg>
-      <pc:sldChg chg="new del">
-        <pc:chgData name="尾嵜 成真" userId="dd95f81a979e9056" providerId="LiveId" clId="{261289AE-FA7C-4CE5-8626-F461A71A7004}" dt="2023-01-15T06:29:38.059" v="3425" actId="47"/>
-        <pc:sldMkLst>
-          <pc:docMk/>
-          <pc:sldMk cId="6714374" sldId="428"/>
-        </pc:sldMkLst>
-      </pc:sldChg>
-      <pc:sldChg chg="new del">
-        <pc:chgData name="尾嵜 成真" userId="dd95f81a979e9056" providerId="LiveId" clId="{261289AE-FA7C-4CE5-8626-F461A71A7004}" dt="2023-01-15T06:29:38.434" v="3426" actId="47"/>
-        <pc:sldMkLst>
-          <pc:docMk/>
-          <pc:sldMk cId="1957603104" sldId="429"/>
-        </pc:sldMkLst>
-      </pc:sldChg>
-      <pc:sldChg chg="new del">
-        <pc:chgData name="尾嵜 成真" userId="dd95f81a979e9056" providerId="LiveId" clId="{261289AE-FA7C-4CE5-8626-F461A71A7004}" dt="2023-01-15T06:29:38.949" v="3427" actId="47"/>
-        <pc:sldMkLst>
-          <pc:docMk/>
-          <pc:sldMk cId="472109842" sldId="430"/>
-        </pc:sldMkLst>
-      </pc:sldChg>
-      <pc:sldChg chg="new del">
-        <pc:chgData name="尾嵜 成真" userId="dd95f81a979e9056" providerId="LiveId" clId="{261289AE-FA7C-4CE5-8626-F461A71A7004}" dt="2023-01-15T06:29:39.418" v="3428" actId="47"/>
-        <pc:sldMkLst>
-          <pc:docMk/>
-          <pc:sldMk cId="3064356623" sldId="431"/>
-        </pc:sldMkLst>
-      </pc:sldChg>
-      <pc:sldChg chg="new del">
-        <pc:chgData name="尾嵜 成真" userId="dd95f81a979e9056" providerId="LiveId" clId="{261289AE-FA7C-4CE5-8626-F461A71A7004}" dt="2023-01-15T06:29:39.824" v="3429" actId="47"/>
-        <pc:sldMkLst>
-          <pc:docMk/>
-          <pc:sldMk cId="2506139560" sldId="432"/>
-        </pc:sldMkLst>
-      </pc:sldChg>
-      <pc:sldChg chg="new del">
-        <pc:chgData name="尾嵜 成真" userId="dd95f81a979e9056" providerId="LiveId" clId="{261289AE-FA7C-4CE5-8626-F461A71A7004}" dt="2023-01-15T06:29:43.355" v="3430" actId="47"/>
-        <pc:sldMkLst>
-          <pc:docMk/>
-          <pc:sldMk cId="3135272439" sldId="433"/>
-        </pc:sldMkLst>
-      </pc:sldChg>
-      <pc:sldChg chg="new del">
-        <pc:chgData name="尾嵜 成真" userId="dd95f81a979e9056" providerId="LiveId" clId="{261289AE-FA7C-4CE5-8626-F461A71A7004}" dt="2023-01-15T06:29:43.793" v="3431" actId="47"/>
-        <pc:sldMkLst>
-          <pc:docMk/>
-          <pc:sldMk cId="451437345" sldId="434"/>
-        </pc:sldMkLst>
-      </pc:sldChg>
-      <pc:sldChg chg="new del">
-        <pc:chgData name="尾嵜 成真" userId="dd95f81a979e9056" providerId="LiveId" clId="{261289AE-FA7C-4CE5-8626-F461A71A7004}" dt="2023-01-15T06:29:44.136" v="3432" actId="47"/>
-        <pc:sldMkLst>
-          <pc:docMk/>
-          <pc:sldMk cId="3991438989" sldId="435"/>
-        </pc:sldMkLst>
-      </pc:sldChg>
-      <pc:sldChg chg="new del">
-        <pc:chgData name="尾嵜 成真" userId="dd95f81a979e9056" providerId="LiveId" clId="{261289AE-FA7C-4CE5-8626-F461A71A7004}" dt="2023-01-15T06:29:44.511" v="3433" actId="47"/>
-        <pc:sldMkLst>
-          <pc:docMk/>
-          <pc:sldMk cId="125730631" sldId="436"/>
-        </pc:sldMkLst>
-      </pc:sldChg>
-      <pc:sldChg chg="new del">
-        <pc:chgData name="尾嵜 成真" userId="dd95f81a979e9056" providerId="LiveId" clId="{261289AE-FA7C-4CE5-8626-F461A71A7004}" dt="2023-01-15T06:29:45.074" v="3434" actId="47"/>
-        <pc:sldMkLst>
-          <pc:docMk/>
-          <pc:sldMk cId="237065274" sldId="437"/>
-        </pc:sldMkLst>
-      </pc:sldChg>
-      <pc:sldChg chg="new del">
-        <pc:chgData name="尾嵜 成真" userId="dd95f81a979e9056" providerId="LiveId" clId="{261289AE-FA7C-4CE5-8626-F461A71A7004}" dt="2023-01-15T06:29:45.574" v="3435" actId="47"/>
-        <pc:sldMkLst>
-          <pc:docMk/>
-          <pc:sldMk cId="2986861723" sldId="438"/>
-        </pc:sldMkLst>
       </pc:sldChg>
     </pc:docChg>
   </pc:docChgLst>
@@ -9401,7 +9497,7 @@
             <a:fld id="{D4CCFBE2-2B8D-499C-81C9-2CD5B3EB8E93}" type="datetimeFigureOut">
               <a:rPr lang="ko-KR" altLang="en-US" smtClean="0"/>
               <a:pPr/>
-              <a:t>2023-01-17</a:t>
+              <a:t>2023-02-08</a:t>
             </a:fld>
             <a:endParaRPr lang="ko-KR" altLang="en-US"/>
           </a:p>
@@ -9568,7 +9664,7 @@
             <a:fld id="{FB545AC5-813F-4ED1-B011-8EA17CB93331}" type="datetimeFigureOut">
               <a:rPr lang="ko-KR" altLang="en-US" smtClean="0"/>
               <a:pPr/>
-              <a:t>2023-01-17</a:t>
+              <a:t>2023-02-08</a:t>
             </a:fld>
             <a:endParaRPr lang="ko-KR" altLang="en-US"/>
           </a:p>
@@ -9990,7 +10086,7 @@
             <a:fld id="{ED3D6733-6F27-4404-AB51-585418F146E5}" type="datetimeFigureOut">
               <a:rPr lang="ko-KR" altLang="en-US" smtClean="0"/>
               <a:pPr/>
-              <a:t>2023-01-17</a:t>
+              <a:t>2023-02-08</a:t>
             </a:fld>
             <a:endParaRPr lang="ko-KR" altLang="en-US"/>
           </a:p>
@@ -10175,7 +10271,7 @@
             <a:fld id="{ED3D6733-6F27-4404-AB51-585418F146E5}" type="datetimeFigureOut">
               <a:rPr lang="ko-KR" altLang="en-US" smtClean="0"/>
               <a:pPr/>
-              <a:t>2023-01-17</a:t>
+              <a:t>2023-02-08</a:t>
             </a:fld>
             <a:endParaRPr lang="ko-KR" altLang="en-US"/>
           </a:p>
@@ -10313,7 +10409,7 @@
             <a:fld id="{ED3D6733-6F27-4404-AB51-585418F146E5}" type="datetimeFigureOut">
               <a:rPr lang="ko-KR" altLang="en-US" smtClean="0"/>
               <a:pPr/>
-              <a:t>2023-01-17</a:t>
+              <a:t>2023-02-08</a:t>
             </a:fld>
             <a:endParaRPr lang="ko-KR" altLang="en-US"/>
           </a:p>
@@ -10526,7 +10622,7 @@
             <a:fld id="{ED3D6733-6F27-4404-AB51-585418F146E5}" type="datetimeFigureOut">
               <a:rPr lang="ko-KR" altLang="en-US" smtClean="0"/>
               <a:pPr/>
-              <a:t>2023-01-17</a:t>
+              <a:t>2023-02-08</a:t>
             </a:fld>
             <a:endParaRPr lang="ko-KR" altLang="en-US"/>
           </a:p>
@@ -10803,7 +10899,7 @@
             <a:fld id="{ED3D6733-6F27-4404-AB51-585418F146E5}" type="datetimeFigureOut">
               <a:rPr lang="ko-KR" altLang="en-US" smtClean="0"/>
               <a:pPr/>
-              <a:t>2023-01-17</a:t>
+              <a:t>2023-02-08</a:t>
             </a:fld>
             <a:endParaRPr lang="ko-KR" altLang="en-US"/>
           </a:p>
@@ -11126,7 +11222,7 @@
             <a:fld id="{ED3D6733-6F27-4404-AB51-585418F146E5}" type="datetimeFigureOut">
               <a:rPr lang="ko-KR" altLang="en-US" smtClean="0"/>
               <a:pPr/>
-              <a:t>2023-01-17</a:t>
+              <a:t>2023-02-08</a:t>
             </a:fld>
             <a:endParaRPr lang="ko-KR" altLang="en-US"/>
           </a:p>
@@ -11399,7 +11495,7 @@
             <a:fld id="{ED3D6733-6F27-4404-AB51-585418F146E5}" type="datetimeFigureOut">
               <a:rPr lang="ko-KR" altLang="en-US" smtClean="0"/>
               <a:pPr/>
-              <a:t>2023-01-17</a:t>
+              <a:t>2023-02-08</a:t>
             </a:fld>
             <a:endParaRPr lang="ko-KR" altLang="en-US"/>
           </a:p>
@@ -11877,7 +11973,7 @@
         </p:nvSpPr>
         <p:spPr>
           <a:xfrm>
-            <a:off x="5463567" y="1335120"/>
+            <a:off x="683568" y="3163327"/>
             <a:ext cx="2304256" cy="553998"/>
           </a:xfrm>
           <a:prstGeom prst="rect">
@@ -11937,7 +12033,7 @@
         </p:nvGrpSpPr>
         <p:grpSpPr>
           <a:xfrm>
-            <a:off x="4595639" y="2204864"/>
+            <a:off x="4572000" y="2708920"/>
             <a:ext cx="3744416" cy="864096"/>
             <a:chOff x="4238823" y="1217861"/>
             <a:chExt cx="3744416" cy="864096"/>
@@ -12038,7 +12134,7 @@
                 <a:defRPr/>
               </a:pPr>
               <a:r>
-                <a:rPr lang="ja-JP" altLang="en-US" b="1" dirty="0">
+                <a:rPr lang="en-US" altLang="ja-JP" b="1" dirty="0">
                   <a:solidFill>
                     <a:schemeClr val="accent6">
                       <a:lumMod val="75000"/>
@@ -12047,7 +12143,7 @@
                   <a:latin typeface="BIZ UDP明朝 Medium" panose="02020500000000000000" pitchFamily="18" charset="-128"/>
                   <a:ea typeface="BIZ UDP明朝 Medium" panose="02020500000000000000" pitchFamily="18" charset="-128"/>
                 </a:rPr>
-                <a:t>構成</a:t>
+                <a:t>CloudWatch</a:t>
               </a:r>
               <a:endParaRPr lang="en-US" altLang="ko-KR" b="1" dirty="0">
                 <a:solidFill>
@@ -12134,7 +12230,7 @@
         </p:nvGrpSpPr>
         <p:grpSpPr>
           <a:xfrm>
-            <a:off x="4595639" y="3295294"/>
+            <a:off x="4572000" y="4005064"/>
             <a:ext cx="864096" cy="864096"/>
             <a:chOff x="4238823" y="2308291"/>
             <a:chExt cx="864096" cy="864096"/>
@@ -12261,7 +12357,7 @@
         </p:nvGrpSpPr>
         <p:grpSpPr>
           <a:xfrm>
-            <a:off x="4595639" y="4385724"/>
+            <a:off x="4567129" y="5301207"/>
             <a:ext cx="864096" cy="864096"/>
             <a:chOff x="4238823" y="3398721"/>
             <a:chExt cx="864096" cy="864096"/>
@@ -12374,133 +12470,6 @@
           </p:txBody>
         </p:sp>
       </p:grpSp>
-      <p:grpSp>
-        <p:nvGrpSpPr>
-          <p:cNvPr id="15" name="그룹 4">
-            <a:extLst>
-              <a:ext uri="{FF2B5EF4-FFF2-40B4-BE49-F238E27FC236}">
-                <a16:creationId xmlns:a16="http://schemas.microsoft.com/office/drawing/2014/main" id="{ABF64C8C-9B4C-9D21-9AF5-4477981CD304}"/>
-              </a:ext>
-            </a:extLst>
-          </p:cNvPr>
-          <p:cNvGrpSpPr/>
-          <p:nvPr/>
-        </p:nvGrpSpPr>
-        <p:grpSpPr>
-          <a:xfrm>
-            <a:off x="4595639" y="5476154"/>
-            <a:ext cx="864096" cy="864096"/>
-            <a:chOff x="4238823" y="4489151"/>
-            <a:chExt cx="864096" cy="864096"/>
-          </a:xfrm>
-        </p:grpSpPr>
-        <p:sp>
-          <p:nvSpPr>
-            <p:cNvPr id="16" name="직각 삼각형 23">
-              <a:extLst>
-                <a:ext uri="{FF2B5EF4-FFF2-40B4-BE49-F238E27FC236}">
-                  <a16:creationId xmlns:a16="http://schemas.microsoft.com/office/drawing/2014/main" id="{28B2A99B-06B7-7194-14A2-260C9E93F2DD}"/>
-                </a:ext>
-              </a:extLst>
-            </p:cNvPr>
-            <p:cNvSpPr/>
-            <p:nvPr/>
-          </p:nvSpPr>
-          <p:spPr>
-            <a:xfrm rot="16200000">
-              <a:off x="4238823" y="4489151"/>
-              <a:ext cx="864096" cy="864096"/>
-            </a:xfrm>
-            <a:prstGeom prst="rtTriangle">
-              <a:avLst/>
-            </a:prstGeom>
-            <a:solidFill>
-              <a:srgbClr val="FFC000"/>
-            </a:solidFill>
-            <a:ln>
-              <a:noFill/>
-            </a:ln>
-          </p:spPr>
-          <p:style>
-            <a:lnRef idx="2">
-              <a:schemeClr val="accent1">
-                <a:shade val="50000"/>
-              </a:schemeClr>
-            </a:lnRef>
-            <a:fillRef idx="1">
-              <a:schemeClr val="accent1"/>
-            </a:fillRef>
-            <a:effectRef idx="0">
-              <a:schemeClr val="accent1"/>
-            </a:effectRef>
-            <a:fontRef idx="minor">
-              <a:schemeClr val="lt1"/>
-            </a:fontRef>
-          </p:style>
-          <p:txBody>
-            <a:bodyPr rtlCol="0" anchor="ctr"/>
-            <a:lstStyle/>
-            <a:p>
-              <a:pPr algn="ctr"/>
-              <a:endParaRPr lang="ko-KR" altLang="en-US">
-                <a:latin typeface="+mj-lt"/>
-                <a:ea typeface="맑은 고딕" pitchFamily="50" charset="-127"/>
-              </a:endParaRPr>
-            </a:p>
-          </p:txBody>
-        </p:sp>
-        <p:sp>
-          <p:nvSpPr>
-            <p:cNvPr id="17" name="TextBox 13">
-              <a:extLst>
-                <a:ext uri="{FF2B5EF4-FFF2-40B4-BE49-F238E27FC236}">
-                  <a16:creationId xmlns:a16="http://schemas.microsoft.com/office/drawing/2014/main" id="{ADA89448-5159-F66C-80CE-8F46B466264C}"/>
-                </a:ext>
-              </a:extLst>
-            </p:cNvPr>
-            <p:cNvSpPr txBox="1">
-              <a:spLocks noChangeArrowheads="1"/>
-            </p:cNvSpPr>
-            <p:nvPr/>
-          </p:nvSpPr>
-          <p:spPr bwMode="auto">
-            <a:xfrm>
-              <a:off x="4589575" y="4838590"/>
-              <a:ext cx="508473" cy="477054"/>
-            </a:xfrm>
-            <a:prstGeom prst="rect">
-              <a:avLst/>
-            </a:prstGeom>
-          </p:spPr>
-          <p:txBody>
-            <a:bodyPr wrap="none">
-              <a:spAutoFit/>
-            </a:bodyPr>
-            <a:lstStyle/>
-            <a:p>
-              <a:r>
-                <a:rPr lang="en-US" altLang="ko-KR" sz="2500" b="1" dirty="0">
-                  <a:solidFill>
-                    <a:schemeClr val="bg1"/>
-                  </a:solidFill>
-                  <a:latin typeface="+mj-lt"/>
-                  <a:ea typeface="맑은 고딕" pitchFamily="50" charset="-127"/>
-                  <a:cs typeface="+mj-cs"/>
-                </a:rPr>
-                <a:t>04</a:t>
-              </a:r>
-              <a:endParaRPr lang="ko-KR" altLang="en-US" sz="2500" b="1" dirty="0">
-                <a:solidFill>
-                  <a:schemeClr val="bg1"/>
-                </a:solidFill>
-                <a:latin typeface="+mj-lt"/>
-                <a:ea typeface="맑은 고딕" pitchFamily="50" charset="-127"/>
-                <a:cs typeface="+mj-cs"/>
-              </a:endParaRPr>
-            </a:p>
-          </p:txBody>
-        </p:sp>
-      </p:grpSp>
       <p:sp>
         <p:nvSpPr>
           <p:cNvPr id="19" name="Text Box 5">
@@ -12517,7 +12486,7 @@
         </p:nvSpPr>
         <p:spPr bwMode="auto">
           <a:xfrm>
-            <a:off x="5613602" y="3671110"/>
+            <a:off x="5589963" y="4380880"/>
             <a:ext cx="3150969" cy="369332"/>
           </a:xfrm>
           <a:prstGeom prst="rect">
@@ -12550,7 +12519,7 @@
                 <a:latin typeface="BIZ UDP明朝 Medium" panose="02020500000000000000" pitchFamily="18" charset="-128"/>
                 <a:ea typeface="BIZ UDP明朝 Medium" panose="02020500000000000000" pitchFamily="18" charset="-128"/>
               </a:rPr>
-              <a:t>S3</a:t>
+              <a:t>CloudTrail</a:t>
             </a:r>
             <a:endParaRPr lang="en-US" altLang="ko-KR" b="1" dirty="0">
               <a:solidFill>
@@ -12580,7 +12549,7 @@
         </p:nvSpPr>
         <p:spPr bwMode="auto">
           <a:xfrm>
-            <a:off x="5613602" y="4757512"/>
+            <a:off x="5585092" y="5672995"/>
             <a:ext cx="2726453" cy="369332"/>
           </a:xfrm>
           <a:prstGeom prst="rect">
@@ -12604,18 +12573,6 @@
               <a:defRPr/>
             </a:pPr>
             <a:r>
-              <a:rPr lang="en-US" altLang="ja-JP" sz="1800" b="1" dirty="0">
-                <a:solidFill>
-                  <a:schemeClr val="accent6">
-                    <a:lumMod val="75000"/>
-                  </a:schemeClr>
-                </a:solidFill>
-                <a:latin typeface="BIZ UDP明朝 Medium" panose="02020500000000000000" pitchFamily="18" charset="-128"/>
-                <a:ea typeface="BIZ UDP明朝 Medium" panose="02020500000000000000" pitchFamily="18" charset="-128"/>
-              </a:rPr>
-              <a:t>VPC</a:t>
-            </a:r>
-            <a:r>
               <a:rPr lang="ja-JP" altLang="en-US" sz="1800" b="1" dirty="0">
                 <a:solidFill>
                   <a:schemeClr val="accent6">
@@ -12625,72 +12582,9 @@
                 <a:latin typeface="BIZ UDP明朝 Medium" panose="02020500000000000000" pitchFamily="18" charset="-128"/>
                 <a:ea typeface="BIZ UDP明朝 Medium" panose="02020500000000000000" pitchFamily="18" charset="-128"/>
               </a:rPr>
-              <a:t>エンドポイント</a:t>
+              <a:t>外部監視ツール</a:t>
             </a:r>
             <a:endParaRPr lang="en-US" altLang="ko-KR" b="1" dirty="0">
-              <a:solidFill>
-                <a:schemeClr val="accent6">
-                  <a:lumMod val="75000"/>
-                </a:schemeClr>
-              </a:solidFill>
-              <a:latin typeface="BIZ UDP明朝 Medium" panose="02020500000000000000" pitchFamily="18" charset="-128"/>
-              <a:ea typeface="BIZ UDP明朝 Medium" panose="02020500000000000000" pitchFamily="18" charset="-128"/>
-            </a:endParaRPr>
-          </a:p>
-        </p:txBody>
-      </p:sp>
-      <p:sp>
-        <p:nvSpPr>
-          <p:cNvPr id="23" name="Text Box 5">
-            <a:extLst>
-              <a:ext uri="{FF2B5EF4-FFF2-40B4-BE49-F238E27FC236}">
-                <a16:creationId xmlns:a16="http://schemas.microsoft.com/office/drawing/2014/main" id="{2E9F8BEE-54A9-4485-30DE-5BD610AD9383}"/>
-              </a:ext>
-            </a:extLst>
-          </p:cNvPr>
-          <p:cNvSpPr txBox="1">
-            <a:spLocks noChangeArrowheads="1"/>
-          </p:cNvSpPr>
-          <p:nvPr/>
-        </p:nvSpPr>
-        <p:spPr bwMode="auto">
-          <a:xfrm>
-            <a:off x="5607518" y="5843915"/>
-            <a:ext cx="2804546" cy="369332"/>
-          </a:xfrm>
-          <a:prstGeom prst="rect">
-            <a:avLst/>
-          </a:prstGeom>
-          <a:noFill/>
-          <a:ln w="9525">
-            <a:noFill/>
-            <a:miter lim="800000"/>
-            <a:headEnd/>
-            <a:tailEnd/>
-          </a:ln>
-        </p:spPr>
-        <p:txBody>
-          <a:bodyPr wrap="square">
-            <a:spAutoFit/>
-          </a:bodyPr>
-          <a:lstStyle/>
-          <a:p>
-            <a:pPr>
-              <a:defRPr/>
-            </a:pPr>
-            <a:r>
-              <a:rPr lang="en-US" altLang="ja-JP" sz="1800" b="1" dirty="0">
-                <a:solidFill>
-                  <a:schemeClr val="accent6">
-                    <a:lumMod val="75000"/>
-                  </a:schemeClr>
-                </a:solidFill>
-                <a:latin typeface="BIZ UDP明朝 Medium" panose="02020500000000000000" pitchFamily="18" charset="-128"/>
-                <a:ea typeface="BIZ UDP明朝 Medium" panose="02020500000000000000" pitchFamily="18" charset="-128"/>
-              </a:rPr>
-              <a:t>AWS CLI</a:t>
-            </a:r>
-            <a:endParaRPr lang="en-US" altLang="ko-KR" sz="1800" b="1" dirty="0">
               <a:solidFill>
                 <a:schemeClr val="accent6">
                   <a:lumMod val="75000"/>
